--- a/IEM/Reliabilty.pptx
+++ b/IEM/Reliabilty.pptx
@@ -2,32 +2,32 @@
 <file path=ppt/presentation.xml><?xml version="1.0" encoding="utf-8"?>
 <p:presentation xmlns:a="http://schemas.openxmlformats.org/drawingml/2006/main" xmlns:r="http://schemas.openxmlformats.org/officeDocument/2006/relationships" xmlns:p="http://schemas.openxmlformats.org/presentationml/2006/main" saveSubsetFonts="1" autoCompressPictures="0">
   <p:sldMasterIdLst>
-    <p:sldMasterId id="2147483648" r:id="rId1"/>
+    <p:sldMasterId id="2147483648" r:id="rId4"/>
   </p:sldMasterIdLst>
   <p:sldIdLst>
-    <p:sldId id="256" r:id="rId2"/>
-    <p:sldId id="257" r:id="rId3"/>
-    <p:sldId id="258" r:id="rId4"/>
-    <p:sldId id="259" r:id="rId5"/>
-    <p:sldId id="260" r:id="rId6"/>
-    <p:sldId id="261" r:id="rId7"/>
-    <p:sldId id="262" r:id="rId8"/>
-    <p:sldId id="263" r:id="rId9"/>
-    <p:sldId id="264" r:id="rId10"/>
-    <p:sldId id="272" r:id="rId11"/>
-    <p:sldId id="265" r:id="rId12"/>
-    <p:sldId id="266" r:id="rId13"/>
-    <p:sldId id="267" r:id="rId14"/>
-    <p:sldId id="268" r:id="rId15"/>
-    <p:sldId id="269" r:id="rId16"/>
-    <p:sldId id="270" r:id="rId17"/>
-    <p:sldId id="271" r:id="rId18"/>
-    <p:sldId id="273" r:id="rId19"/>
-    <p:sldId id="274" r:id="rId20"/>
-    <p:sldId id="277" r:id="rId21"/>
-    <p:sldId id="278" r:id="rId22"/>
-    <p:sldId id="275" r:id="rId23"/>
-    <p:sldId id="276" r:id="rId24"/>
+    <p:sldId id="256" r:id="rId5"/>
+    <p:sldId id="257" r:id="rId6"/>
+    <p:sldId id="258" r:id="rId7"/>
+    <p:sldId id="259" r:id="rId8"/>
+    <p:sldId id="260" r:id="rId9"/>
+    <p:sldId id="261" r:id="rId10"/>
+    <p:sldId id="262" r:id="rId11"/>
+    <p:sldId id="263" r:id="rId12"/>
+    <p:sldId id="264" r:id="rId13"/>
+    <p:sldId id="272" r:id="rId14"/>
+    <p:sldId id="265" r:id="rId15"/>
+    <p:sldId id="266" r:id="rId16"/>
+    <p:sldId id="267" r:id="rId17"/>
+    <p:sldId id="268" r:id="rId18"/>
+    <p:sldId id="269" r:id="rId19"/>
+    <p:sldId id="270" r:id="rId20"/>
+    <p:sldId id="271" r:id="rId21"/>
+    <p:sldId id="273" r:id="rId22"/>
+    <p:sldId id="274" r:id="rId23"/>
+    <p:sldId id="277" r:id="rId24"/>
+    <p:sldId id="278" r:id="rId25"/>
+    <p:sldId id="275" r:id="rId26"/>
+    <p:sldId id="276" r:id="rId27"/>
   </p:sldIdLst>
   <p:sldSz cx="9144000" cy="6858000" type="screen4x3"/>
   <p:notesSz cx="6858000" cy="9144000"/>
@@ -126,11 +126,27 @@
       </a:defRPr>
     </a:lvl9pPr>
   </p:defaultTextStyle>
+  <p:extLst>
+    <p:ext uri="{EFAFB233-063F-42B5-8137-9DF3F51BA10A}">
+      <p15:sldGuideLst xmlns:p15="http://schemas.microsoft.com/office/powerpoint/2012/main">
+        <p15:guide id="1" orient="horz" pos="2160">
+          <p15:clr>
+            <a:srgbClr val="A4A3A4"/>
+          </p15:clr>
+        </p15:guide>
+        <p15:guide id="2" pos="2880">
+          <p15:clr>
+            <a:srgbClr val="A4A3A4"/>
+          </p15:clr>
+        </p15:guide>
+      </p15:sldGuideLst>
+    </p:ext>
+  </p:extLst>
 </p:presentation>
 </file>
 
 <file path=ppt/charts/chart1.xml><?xml version="1.0" encoding="utf-8"?>
-<c:chartSpace xmlns:c="http://schemas.openxmlformats.org/drawingml/2006/chart" xmlns:a="http://schemas.openxmlformats.org/drawingml/2006/main" xmlns:r="http://schemas.openxmlformats.org/officeDocument/2006/relationships">
+<c:chartSpace xmlns:c="http://schemas.openxmlformats.org/drawingml/2006/chart" xmlns:a="http://schemas.openxmlformats.org/drawingml/2006/main" xmlns:r="http://schemas.openxmlformats.org/officeDocument/2006/relationships" xmlns:c16r2="http://schemas.microsoft.com/office/drawing/2015/06/chart">
   <c:date1904 val="0"/>
   <c:lang val="en-US"/>
   <c:roundedCorners val="0"/>
@@ -144,7 +160,6 @@
   </mc:AlternateContent>
   <c:chart>
     <c:title>
-      <c:layout/>
       <c:overlay val="0"/>
     </c:title>
     <c:autoTitleDeleted val="0"/>
@@ -154,10 +169,10 @@
           <c:layoutTarget val="inner"/>
           <c:xMode val="edge"/>
           <c:yMode val="edge"/>
-          <c:x val="0.0848620832118207"/>
-          <c:y val="0.057967552982647"/>
-          <c:w val="0.897196261682242"/>
-          <c:h val="0.810810810810812"/>
+          <c:x val="8.4862083211820705E-2"/>
+          <c:y val="5.7967552982646997E-2"/>
+          <c:w val="0.89719626168224198"/>
+          <c:h val="0.81081081081081197"/>
         </c:manualLayout>
       </c:layout>
       <c:scatterChart>
@@ -195,37 +210,37 @@
                 <c:formatCode>General</c:formatCode>
                 <c:ptCount val="11"/>
                 <c:pt idx="0">
-                  <c:v>1.0</c:v>
+                  <c:v>1</c:v>
                 </c:pt>
                 <c:pt idx="1">
-                  <c:v>2.0</c:v>
+                  <c:v>2</c:v>
                 </c:pt>
                 <c:pt idx="2">
-                  <c:v>3.0</c:v>
+                  <c:v>3</c:v>
                 </c:pt>
                 <c:pt idx="3">
-                  <c:v>4.0</c:v>
+                  <c:v>4</c:v>
                 </c:pt>
                 <c:pt idx="4">
-                  <c:v>5.0</c:v>
+                  <c:v>5</c:v>
                 </c:pt>
                 <c:pt idx="5">
-                  <c:v>6.0</c:v>
+                  <c:v>6</c:v>
                 </c:pt>
                 <c:pt idx="6">
-                  <c:v>7.0</c:v>
+                  <c:v>7</c:v>
                 </c:pt>
                 <c:pt idx="7">
-                  <c:v>8.0</c:v>
+                  <c:v>8</c:v>
                 </c:pt>
                 <c:pt idx="8">
-                  <c:v>9.0</c:v>
+                  <c:v>9</c:v>
                 </c:pt>
                 <c:pt idx="9">
-                  <c:v>10.0</c:v>
+                  <c:v>10</c:v>
                 </c:pt>
                 <c:pt idx="10">
-                  <c:v>11.0</c:v>
+                  <c:v>11</c:v>
                 </c:pt>
               </c:numCache>
             </c:numRef>
@@ -237,25 +252,25 @@
                 <c:formatCode>General</c:formatCode>
                 <c:ptCount val="11"/>
                 <c:pt idx="0">
-                  <c:v>60.0</c:v>
+                  <c:v>60</c:v>
                 </c:pt>
                 <c:pt idx="1">
-                  <c:v>35.0</c:v>
+                  <c:v>35</c:v>
                 </c:pt>
                 <c:pt idx="2">
-                  <c:v>25.0</c:v>
+                  <c:v>25</c:v>
                 </c:pt>
                 <c:pt idx="3">
-                  <c:v>24.0</c:v>
+                  <c:v>24</c:v>
                 </c:pt>
                 <c:pt idx="4">
-                  <c:v>24.0</c:v>
+                  <c:v>24</c:v>
                 </c:pt>
                 <c:pt idx="5">
-                  <c:v>24.0</c:v>
+                  <c:v>24</c:v>
                 </c:pt>
                 <c:pt idx="6">
-                  <c:v>24.0</c:v>
+                  <c:v>24</c:v>
                 </c:pt>
                 <c:pt idx="7">
                   <c:v>23.64</c:v>
@@ -264,15 +279,20 @@
                   <c:v>24.05</c:v>
                 </c:pt>
                 <c:pt idx="9">
-                  <c:v>35.0</c:v>
+                  <c:v>35</c:v>
                 </c:pt>
                 <c:pt idx="10">
-                  <c:v>60.0</c:v>
+                  <c:v>60</c:v>
                 </c:pt>
               </c:numCache>
             </c:numRef>
           </c:yVal>
           <c:smooth val="1"/>
+          <c:extLst>
+            <c:ext xmlns:c16="http://schemas.microsoft.com/office/drawing/2014/chart" uri="{C3380CC4-5D6E-409C-BE32-E72D297353CC}">
+              <c16:uniqueId val="{00000000-32E5-49ED-B4C8-82521F40E1C0}"/>
+            </c:ext>
+          </c:extLst>
         </c:ser>
         <c:dLbls>
           <c:showLegendKey val="0"/>
@@ -319,8 +339,8 @@
             <c:manualLayout>
               <c:xMode val="edge"/>
               <c:yMode val="edge"/>
-              <c:x val="0.485981248768219"/>
-              <c:y val="0.855855742088844"/>
+              <c:x val="0.48598124876821902"/>
+              <c:y val="0.85585574208884396"/>
             </c:manualLayout>
           </c:layout>
           <c:overlay val="0"/>
@@ -336,15 +356,15 @@
         <c:minorTickMark val="none"/>
         <c:tickLblPos val="none"/>
         <c:crossAx val="2066940312"/>
-        <c:crossesAt val="0.0"/>
+        <c:crossesAt val="0"/>
         <c:crossBetween val="midCat"/>
       </c:valAx>
       <c:valAx>
         <c:axId val="2066940312"/>
         <c:scaling>
           <c:orientation val="minMax"/>
-          <c:max val="70.0"/>
-          <c:min val="0.0"/>
+          <c:max val="70"/>
+          <c:min val="0"/>
         </c:scaling>
         <c:delete val="1"/>
         <c:axPos val="l"/>
@@ -375,8 +395,8 @@
             <c:manualLayout>
               <c:xMode val="edge"/>
               <c:yMode val="edge"/>
-              <c:x val="0.0233645228196297"/>
-              <c:y val="0.252252265636607"/>
+              <c:x val="2.33645228196297E-2"/>
+              <c:y val="0.25225226563660702"/>
             </c:manualLayout>
           </c:layout>
           <c:overlay val="0"/>
@@ -394,8 +414,8 @@
         <c:crossAx val="2021215016"/>
         <c:crosses val="autoZero"/>
         <c:crossBetween val="midCat"/>
-        <c:majorUnit val="10.0"/>
-        <c:minorUnit val="2.0"/>
+        <c:majorUnit val="10"/>
+        <c:minorUnit val="2"/>
       </c:valAx>
       <c:spPr>
         <a:solidFill>
@@ -606,7 +626,13 @@
     </cdr:to>
     <cdr:cxnSp macro="">
       <cdr:nvCxnSpPr>
-        <cdr:cNvPr id="4" name="Straight Connector 3"/>
+        <cdr:cNvPr id="4" name="Straight Connector 3">
+          <a:extLst xmlns:a="http://schemas.openxmlformats.org/drawingml/2006/main">
+            <a:ext uri="{FF2B5EF4-FFF2-40B4-BE49-F238E27FC236}">
+              <a16:creationId xmlns:a16="http://schemas.microsoft.com/office/drawing/2014/main" id="{4F25FD44-BD94-4DAD-9A03-CC1646759D61}"/>
+            </a:ext>
+          </a:extLst>
+        </cdr:cNvPr>
         <cdr:cNvCxnSpPr/>
       </cdr:nvCxnSpPr>
       <cdr:spPr>
@@ -662,10 +688,9 @@
         <a:lstStyle xmlns:a="http://schemas.openxmlformats.org/drawingml/2006/main"/>
         <a:p xmlns:a="http://schemas.openxmlformats.org/drawingml/2006/main">
           <a:r>
-            <a:rPr lang="en-US" sz="1800" b="1" dirty="0" smtClean="0"/>
+            <a:rPr lang="en-US" sz="1800" b="1" dirty="0"/>
             <a:t>B</a:t>
           </a:r>
-          <a:endParaRPr lang="en-US" sz="1800" b="1" dirty="0"/>
         </a:p>
       </cdr:txBody>
     </cdr:sp>
@@ -698,10 +723,9 @@
         <a:lstStyle xmlns:a="http://schemas.openxmlformats.org/drawingml/2006/main"/>
         <a:p xmlns:a="http://schemas.openxmlformats.org/drawingml/2006/main">
           <a:r>
-            <a:rPr lang="en-US" sz="2000" b="1" dirty="0" smtClean="0"/>
+            <a:rPr lang="en-US" sz="2000" b="1" dirty="0"/>
             <a:t>C</a:t>
           </a:r>
-          <a:endParaRPr lang="en-US" sz="2000" b="1" dirty="0"/>
         </a:p>
       </cdr:txBody>
     </cdr:sp>
@@ -766,10 +790,9 @@
         <a:lstStyle xmlns:a="http://schemas.openxmlformats.org/drawingml/2006/main"/>
         <a:p xmlns:a="http://schemas.openxmlformats.org/drawingml/2006/main">
           <a:r>
-            <a:rPr lang="en-US" sz="1800" dirty="0" smtClean="0"/>
+            <a:rPr lang="en-US" sz="1800" dirty="0"/>
             <a:t>Useful life</a:t>
           </a:r>
-          <a:endParaRPr lang="en-US" sz="1800" dirty="0"/>
         </a:p>
       </cdr:txBody>
     </cdr:sp>
@@ -815,10 +838,9 @@
           <a:lstStyle/>
           <a:p>
             <a:r>
-              <a:rPr lang="en-US" smtClean="0"/>
+              <a:rPr lang="en-US"/>
               <a:t>Click to edit Master title style</a:t>
             </a:r>
-            <a:endParaRPr lang="en-US"/>
           </a:p>
         </p:txBody>
       </p:sp>
@@ -934,10 +956,9 @@
           </a:lstStyle>
           <a:p>
             <a:r>
-              <a:rPr lang="en-US" smtClean="0"/>
+              <a:rPr lang="en-US"/>
               <a:t>Click to edit Master subtitle style</a:t>
             </a:r>
-            <a:endParaRPr lang="en-US"/>
           </a:p>
         </p:txBody>
       </p:sp>
@@ -958,7 +979,7 @@
           <a:p>
             <a:fld id="{86226015-AD98-4747-8561-A2C37DEA530F}" type="datetimeFigureOut">
               <a:rPr lang="en-US" smtClean="0"/>
-              <a:t>10/20/20</a:t>
+              <a:t>11/24/2020</a:t>
             </a:fld>
             <a:endParaRPr lang="en-US"/>
           </a:p>
@@ -1052,10 +1073,9 @@
           <a:lstStyle/>
           <a:p>
             <a:r>
-              <a:rPr lang="en-US" smtClean="0"/>
+              <a:rPr lang="en-US"/>
               <a:t>Click to edit Master title style</a:t>
             </a:r>
-            <a:endParaRPr lang="en-US"/>
           </a:p>
         </p:txBody>
       </p:sp>
@@ -1076,38 +1096,37 @@
           <a:p>
             <a:pPr lvl="0"/>
             <a:r>
-              <a:rPr lang="en-US" smtClean="0"/>
+              <a:rPr lang="en-US"/>
               <a:t>Click to edit Master text styles</a:t>
             </a:r>
           </a:p>
           <a:p>
             <a:pPr lvl="1"/>
             <a:r>
-              <a:rPr lang="en-US" smtClean="0"/>
+              <a:rPr lang="en-US"/>
               <a:t>Second level</a:t>
             </a:r>
           </a:p>
           <a:p>
             <a:pPr lvl="2"/>
             <a:r>
-              <a:rPr lang="en-US" smtClean="0"/>
+              <a:rPr lang="en-US"/>
               <a:t>Third level</a:t>
             </a:r>
           </a:p>
           <a:p>
             <a:pPr lvl="3"/>
             <a:r>
-              <a:rPr lang="en-US" smtClean="0"/>
+              <a:rPr lang="en-US"/>
               <a:t>Fourth level</a:t>
             </a:r>
           </a:p>
           <a:p>
             <a:pPr lvl="4"/>
             <a:r>
-              <a:rPr lang="en-US" smtClean="0"/>
+              <a:rPr lang="en-US"/>
               <a:t>Fifth level</a:t>
             </a:r>
-            <a:endParaRPr lang="en-US"/>
           </a:p>
         </p:txBody>
       </p:sp>
@@ -1128,7 +1147,7 @@
           <a:p>
             <a:fld id="{86226015-AD98-4747-8561-A2C37DEA530F}" type="datetimeFigureOut">
               <a:rPr lang="en-US" smtClean="0"/>
-              <a:t>10/20/20</a:t>
+              <a:t>11/24/2020</a:t>
             </a:fld>
             <a:endParaRPr lang="en-US"/>
           </a:p>
@@ -1227,10 +1246,9 @@
           <a:lstStyle/>
           <a:p>
             <a:r>
-              <a:rPr lang="en-US" smtClean="0"/>
+              <a:rPr lang="en-US"/>
               <a:t>Click to edit Master title style</a:t>
             </a:r>
-            <a:endParaRPr lang="en-US"/>
           </a:p>
         </p:txBody>
       </p:sp>
@@ -1256,38 +1274,37 @@
           <a:p>
             <a:pPr lvl="0"/>
             <a:r>
-              <a:rPr lang="en-US" smtClean="0"/>
+              <a:rPr lang="en-US"/>
               <a:t>Click to edit Master text styles</a:t>
             </a:r>
           </a:p>
           <a:p>
             <a:pPr lvl="1"/>
             <a:r>
-              <a:rPr lang="en-US" smtClean="0"/>
+              <a:rPr lang="en-US"/>
               <a:t>Second level</a:t>
             </a:r>
           </a:p>
           <a:p>
             <a:pPr lvl="2"/>
             <a:r>
-              <a:rPr lang="en-US" smtClean="0"/>
+              <a:rPr lang="en-US"/>
               <a:t>Third level</a:t>
             </a:r>
           </a:p>
           <a:p>
             <a:pPr lvl="3"/>
             <a:r>
-              <a:rPr lang="en-US" smtClean="0"/>
+              <a:rPr lang="en-US"/>
               <a:t>Fourth level</a:t>
             </a:r>
           </a:p>
           <a:p>
             <a:pPr lvl="4"/>
             <a:r>
-              <a:rPr lang="en-US" smtClean="0"/>
+              <a:rPr lang="en-US"/>
               <a:t>Fifth level</a:t>
             </a:r>
-            <a:endParaRPr lang="en-US"/>
           </a:p>
         </p:txBody>
       </p:sp>
@@ -1308,7 +1325,7 @@
           <a:p>
             <a:fld id="{86226015-AD98-4747-8561-A2C37DEA530F}" type="datetimeFigureOut">
               <a:rPr lang="en-US" smtClean="0"/>
-              <a:t>10/20/20</a:t>
+              <a:t>11/24/2020</a:t>
             </a:fld>
             <a:endParaRPr lang="en-US"/>
           </a:p>
@@ -1402,10 +1419,9 @@
           <a:lstStyle/>
           <a:p>
             <a:r>
-              <a:rPr lang="en-US" smtClean="0"/>
+              <a:rPr lang="en-US"/>
               <a:t>Click to edit Master title style</a:t>
             </a:r>
-            <a:endParaRPr lang="en-US"/>
           </a:p>
         </p:txBody>
       </p:sp>
@@ -1426,38 +1442,37 @@
           <a:p>
             <a:pPr lvl="0"/>
             <a:r>
-              <a:rPr lang="en-US" smtClean="0"/>
+              <a:rPr lang="en-US"/>
               <a:t>Click to edit Master text styles</a:t>
             </a:r>
           </a:p>
           <a:p>
             <a:pPr lvl="1"/>
             <a:r>
-              <a:rPr lang="en-US" smtClean="0"/>
+              <a:rPr lang="en-US"/>
               <a:t>Second level</a:t>
             </a:r>
           </a:p>
           <a:p>
             <a:pPr lvl="2"/>
             <a:r>
-              <a:rPr lang="en-US" smtClean="0"/>
+              <a:rPr lang="en-US"/>
               <a:t>Third level</a:t>
             </a:r>
           </a:p>
           <a:p>
             <a:pPr lvl="3"/>
             <a:r>
-              <a:rPr lang="en-US" smtClean="0"/>
+              <a:rPr lang="en-US"/>
               <a:t>Fourth level</a:t>
             </a:r>
           </a:p>
           <a:p>
             <a:pPr lvl="4"/>
             <a:r>
-              <a:rPr lang="en-US" smtClean="0"/>
+              <a:rPr lang="en-US"/>
               <a:t>Fifth level</a:t>
             </a:r>
-            <a:endParaRPr lang="en-US"/>
           </a:p>
         </p:txBody>
       </p:sp>
@@ -1478,7 +1493,7 @@
           <a:p>
             <a:fld id="{86226015-AD98-4747-8561-A2C37DEA530F}" type="datetimeFigureOut">
               <a:rPr lang="en-US" smtClean="0"/>
-              <a:t>10/20/20</a:t>
+              <a:t>11/24/2020</a:t>
             </a:fld>
             <a:endParaRPr lang="en-US"/>
           </a:p>
@@ -1581,10 +1596,9 @@
           </a:lstStyle>
           <a:p>
             <a:r>
-              <a:rPr lang="en-US" smtClean="0"/>
+              <a:rPr lang="en-US"/>
               <a:t>Click to edit Master title style</a:t>
             </a:r>
-            <a:endParaRPr lang="en-US"/>
           </a:p>
         </p:txBody>
       </p:sp>
@@ -1701,7 +1715,7 @@
           <a:p>
             <a:pPr lvl="0"/>
             <a:r>
-              <a:rPr lang="en-US" smtClean="0"/>
+              <a:rPr lang="en-US"/>
               <a:t>Click to edit Master text styles</a:t>
             </a:r>
           </a:p>
@@ -1724,7 +1738,7 @@
           <a:p>
             <a:fld id="{86226015-AD98-4747-8561-A2C37DEA530F}" type="datetimeFigureOut">
               <a:rPr lang="en-US" smtClean="0"/>
-              <a:t>10/20/20</a:t>
+              <a:t>11/24/2020</a:t>
             </a:fld>
             <a:endParaRPr lang="en-US"/>
           </a:p>
@@ -1818,10 +1832,9 @@
           <a:lstStyle/>
           <a:p>
             <a:r>
-              <a:rPr lang="en-US" smtClean="0"/>
+              <a:rPr lang="en-US"/>
               <a:t>Click to edit Master title style</a:t>
             </a:r>
-            <a:endParaRPr lang="en-US"/>
           </a:p>
         </p:txBody>
       </p:sp>
@@ -1875,38 +1888,37 @@
           <a:p>
             <a:pPr lvl="0"/>
             <a:r>
-              <a:rPr lang="en-US" smtClean="0"/>
+              <a:rPr lang="en-US"/>
               <a:t>Click to edit Master text styles</a:t>
             </a:r>
           </a:p>
           <a:p>
             <a:pPr lvl="1"/>
             <a:r>
-              <a:rPr lang="en-US" smtClean="0"/>
+              <a:rPr lang="en-US"/>
               <a:t>Second level</a:t>
             </a:r>
           </a:p>
           <a:p>
             <a:pPr lvl="2"/>
             <a:r>
-              <a:rPr lang="en-US" smtClean="0"/>
+              <a:rPr lang="en-US"/>
               <a:t>Third level</a:t>
             </a:r>
           </a:p>
           <a:p>
             <a:pPr lvl="3"/>
             <a:r>
-              <a:rPr lang="en-US" smtClean="0"/>
+              <a:rPr lang="en-US"/>
               <a:t>Fourth level</a:t>
             </a:r>
           </a:p>
           <a:p>
             <a:pPr lvl="4"/>
             <a:r>
-              <a:rPr lang="en-US" smtClean="0"/>
+              <a:rPr lang="en-US"/>
               <a:t>Fifth level</a:t>
             </a:r>
-            <a:endParaRPr lang="en-US"/>
           </a:p>
         </p:txBody>
       </p:sp>
@@ -1960,38 +1972,37 @@
           <a:p>
             <a:pPr lvl="0"/>
             <a:r>
-              <a:rPr lang="en-US" smtClean="0"/>
+              <a:rPr lang="en-US"/>
               <a:t>Click to edit Master text styles</a:t>
             </a:r>
           </a:p>
           <a:p>
             <a:pPr lvl="1"/>
             <a:r>
-              <a:rPr lang="en-US" smtClean="0"/>
+              <a:rPr lang="en-US"/>
               <a:t>Second level</a:t>
             </a:r>
           </a:p>
           <a:p>
             <a:pPr lvl="2"/>
             <a:r>
-              <a:rPr lang="en-US" smtClean="0"/>
+              <a:rPr lang="en-US"/>
               <a:t>Third level</a:t>
             </a:r>
           </a:p>
           <a:p>
             <a:pPr lvl="3"/>
             <a:r>
-              <a:rPr lang="en-US" smtClean="0"/>
+              <a:rPr lang="en-US"/>
               <a:t>Fourth level</a:t>
             </a:r>
           </a:p>
           <a:p>
             <a:pPr lvl="4"/>
             <a:r>
-              <a:rPr lang="en-US" smtClean="0"/>
+              <a:rPr lang="en-US"/>
               <a:t>Fifth level</a:t>
             </a:r>
-            <a:endParaRPr lang="en-US"/>
           </a:p>
         </p:txBody>
       </p:sp>
@@ -2012,7 +2023,7 @@
           <a:p>
             <a:fld id="{86226015-AD98-4747-8561-A2C37DEA530F}" type="datetimeFigureOut">
               <a:rPr lang="en-US" smtClean="0"/>
-              <a:t>10/20/20</a:t>
+              <a:t>11/24/2020</a:t>
             </a:fld>
             <a:endParaRPr lang="en-US"/>
           </a:p>
@@ -2110,10 +2121,9 @@
           </a:lstStyle>
           <a:p>
             <a:r>
-              <a:rPr lang="en-US" smtClean="0"/>
+              <a:rPr lang="en-US"/>
               <a:t>Click to edit Master title style</a:t>
             </a:r>
-            <a:endParaRPr lang="en-US"/>
           </a:p>
         </p:txBody>
       </p:sp>
@@ -2176,7 +2186,7 @@
           <a:p>
             <a:pPr lvl="0"/>
             <a:r>
-              <a:rPr lang="en-US" smtClean="0"/>
+              <a:rPr lang="en-US"/>
               <a:t>Click to edit Master text styles</a:t>
             </a:r>
           </a:p>
@@ -2232,38 +2242,37 @@
           <a:p>
             <a:pPr lvl="0"/>
             <a:r>
-              <a:rPr lang="en-US" smtClean="0"/>
+              <a:rPr lang="en-US"/>
               <a:t>Click to edit Master text styles</a:t>
             </a:r>
           </a:p>
           <a:p>
             <a:pPr lvl="1"/>
             <a:r>
-              <a:rPr lang="en-US" smtClean="0"/>
+              <a:rPr lang="en-US"/>
               <a:t>Second level</a:t>
             </a:r>
           </a:p>
           <a:p>
             <a:pPr lvl="2"/>
             <a:r>
-              <a:rPr lang="en-US" smtClean="0"/>
+              <a:rPr lang="en-US"/>
               <a:t>Third level</a:t>
             </a:r>
           </a:p>
           <a:p>
             <a:pPr lvl="3"/>
             <a:r>
-              <a:rPr lang="en-US" smtClean="0"/>
+              <a:rPr lang="en-US"/>
               <a:t>Fourth level</a:t>
             </a:r>
           </a:p>
           <a:p>
             <a:pPr lvl="4"/>
             <a:r>
-              <a:rPr lang="en-US" smtClean="0"/>
+              <a:rPr lang="en-US"/>
               <a:t>Fifth level</a:t>
             </a:r>
-            <a:endParaRPr lang="en-US"/>
           </a:p>
         </p:txBody>
       </p:sp>
@@ -2326,7 +2335,7 @@
           <a:p>
             <a:pPr lvl="0"/>
             <a:r>
-              <a:rPr lang="en-US" smtClean="0"/>
+              <a:rPr lang="en-US"/>
               <a:t>Click to edit Master text styles</a:t>
             </a:r>
           </a:p>
@@ -2382,38 +2391,37 @@
           <a:p>
             <a:pPr lvl="0"/>
             <a:r>
-              <a:rPr lang="en-US" smtClean="0"/>
+              <a:rPr lang="en-US"/>
               <a:t>Click to edit Master text styles</a:t>
             </a:r>
           </a:p>
           <a:p>
             <a:pPr lvl="1"/>
             <a:r>
-              <a:rPr lang="en-US" smtClean="0"/>
+              <a:rPr lang="en-US"/>
               <a:t>Second level</a:t>
             </a:r>
           </a:p>
           <a:p>
             <a:pPr lvl="2"/>
             <a:r>
-              <a:rPr lang="en-US" smtClean="0"/>
+              <a:rPr lang="en-US"/>
               <a:t>Third level</a:t>
             </a:r>
           </a:p>
           <a:p>
             <a:pPr lvl="3"/>
             <a:r>
-              <a:rPr lang="en-US" smtClean="0"/>
+              <a:rPr lang="en-US"/>
               <a:t>Fourth level</a:t>
             </a:r>
           </a:p>
           <a:p>
             <a:pPr lvl="4"/>
             <a:r>
-              <a:rPr lang="en-US" smtClean="0"/>
+              <a:rPr lang="en-US"/>
               <a:t>Fifth level</a:t>
             </a:r>
-            <a:endParaRPr lang="en-US"/>
           </a:p>
         </p:txBody>
       </p:sp>
@@ -2434,7 +2442,7 @@
           <a:p>
             <a:fld id="{86226015-AD98-4747-8561-A2C37DEA530F}" type="datetimeFigureOut">
               <a:rPr lang="en-US" smtClean="0"/>
-              <a:t>10/20/20</a:t>
+              <a:t>11/24/2020</a:t>
             </a:fld>
             <a:endParaRPr lang="en-US"/>
           </a:p>
@@ -2528,10 +2536,9 @@
           <a:lstStyle/>
           <a:p>
             <a:r>
-              <a:rPr lang="en-US" smtClean="0"/>
+              <a:rPr lang="en-US"/>
               <a:t>Click to edit Master title style</a:t>
             </a:r>
-            <a:endParaRPr lang="en-US"/>
           </a:p>
         </p:txBody>
       </p:sp>
@@ -2552,7 +2559,7 @@
           <a:p>
             <a:fld id="{86226015-AD98-4747-8561-A2C37DEA530F}" type="datetimeFigureOut">
               <a:rPr lang="en-US" smtClean="0"/>
-              <a:t>10/20/20</a:t>
+              <a:t>11/24/2020</a:t>
             </a:fld>
             <a:endParaRPr lang="en-US"/>
           </a:p>
@@ -2647,7 +2654,7 @@
           <a:p>
             <a:fld id="{86226015-AD98-4747-8561-A2C37DEA530F}" type="datetimeFigureOut">
               <a:rPr lang="en-US" smtClean="0"/>
-              <a:t>10/20/20</a:t>
+              <a:t>11/24/2020</a:t>
             </a:fld>
             <a:endParaRPr lang="en-US"/>
           </a:p>
@@ -2750,10 +2757,9 @@
           </a:lstStyle>
           <a:p>
             <a:r>
-              <a:rPr lang="en-US" smtClean="0"/>
+              <a:rPr lang="en-US"/>
               <a:t>Click to edit Master title style</a:t>
             </a:r>
-            <a:endParaRPr lang="en-US"/>
           </a:p>
         </p:txBody>
       </p:sp>
@@ -2807,38 +2813,37 @@
           <a:p>
             <a:pPr lvl="0"/>
             <a:r>
-              <a:rPr lang="en-US" smtClean="0"/>
+              <a:rPr lang="en-US"/>
               <a:t>Click to edit Master text styles</a:t>
             </a:r>
           </a:p>
           <a:p>
             <a:pPr lvl="1"/>
             <a:r>
-              <a:rPr lang="en-US" smtClean="0"/>
+              <a:rPr lang="en-US"/>
               <a:t>Second level</a:t>
             </a:r>
           </a:p>
           <a:p>
             <a:pPr lvl="2"/>
             <a:r>
-              <a:rPr lang="en-US" smtClean="0"/>
+              <a:rPr lang="en-US"/>
               <a:t>Third level</a:t>
             </a:r>
           </a:p>
           <a:p>
             <a:pPr lvl="3"/>
             <a:r>
-              <a:rPr lang="en-US" smtClean="0"/>
+              <a:rPr lang="en-US"/>
               <a:t>Fourth level</a:t>
             </a:r>
           </a:p>
           <a:p>
             <a:pPr lvl="4"/>
             <a:r>
-              <a:rPr lang="en-US" smtClean="0"/>
+              <a:rPr lang="en-US"/>
               <a:t>Fifth level</a:t>
             </a:r>
-            <a:endParaRPr lang="en-US"/>
           </a:p>
         </p:txBody>
       </p:sp>
@@ -2901,7 +2906,7 @@
           <a:p>
             <a:pPr lvl="0"/>
             <a:r>
-              <a:rPr lang="en-US" smtClean="0"/>
+              <a:rPr lang="en-US"/>
               <a:t>Click to edit Master text styles</a:t>
             </a:r>
           </a:p>
@@ -2924,7 +2929,7 @@
           <a:p>
             <a:fld id="{86226015-AD98-4747-8561-A2C37DEA530F}" type="datetimeFigureOut">
               <a:rPr lang="en-US" smtClean="0"/>
-              <a:t>10/20/20</a:t>
+              <a:t>11/24/2020</a:t>
             </a:fld>
             <a:endParaRPr lang="en-US"/>
           </a:p>
@@ -3027,10 +3032,9 @@
           </a:lstStyle>
           <a:p>
             <a:r>
-              <a:rPr lang="en-US" smtClean="0"/>
+              <a:rPr lang="en-US"/>
               <a:t>Click to edit Master title style</a:t>
             </a:r>
-            <a:endParaRPr lang="en-US"/>
           </a:p>
         </p:txBody>
       </p:sp>
@@ -3154,7 +3158,7 @@
           <a:p>
             <a:pPr lvl="0"/>
             <a:r>
-              <a:rPr lang="en-US" smtClean="0"/>
+              <a:rPr lang="en-US"/>
               <a:t>Click to edit Master text styles</a:t>
             </a:r>
           </a:p>
@@ -3177,7 +3181,7 @@
           <a:p>
             <a:fld id="{86226015-AD98-4747-8561-A2C37DEA530F}" type="datetimeFigureOut">
               <a:rPr lang="en-US" smtClean="0"/>
-              <a:t>10/20/20</a:t>
+              <a:t>11/24/2020</a:t>
             </a:fld>
             <a:endParaRPr lang="en-US"/>
           </a:p>
@@ -3286,10 +3290,9 @@
           <a:lstStyle/>
           <a:p>
             <a:r>
-              <a:rPr lang="en-US" smtClean="0"/>
+              <a:rPr lang="en-US"/>
               <a:t>Click to edit Master title style</a:t>
             </a:r>
-            <a:endParaRPr lang="en-US"/>
           </a:p>
         </p:txBody>
       </p:sp>
@@ -3320,38 +3323,37 @@
           <a:p>
             <a:pPr lvl="0"/>
             <a:r>
-              <a:rPr lang="en-US" smtClean="0"/>
+              <a:rPr lang="en-US"/>
               <a:t>Click to edit Master text styles</a:t>
             </a:r>
           </a:p>
           <a:p>
             <a:pPr lvl="1"/>
             <a:r>
-              <a:rPr lang="en-US" smtClean="0"/>
+              <a:rPr lang="en-US"/>
               <a:t>Second level</a:t>
             </a:r>
           </a:p>
           <a:p>
             <a:pPr lvl="2"/>
             <a:r>
-              <a:rPr lang="en-US" smtClean="0"/>
+              <a:rPr lang="en-US"/>
               <a:t>Third level</a:t>
             </a:r>
           </a:p>
           <a:p>
             <a:pPr lvl="3"/>
             <a:r>
-              <a:rPr lang="en-US" smtClean="0"/>
+              <a:rPr lang="en-US"/>
               <a:t>Fourth level</a:t>
             </a:r>
           </a:p>
           <a:p>
             <a:pPr lvl="4"/>
             <a:r>
-              <a:rPr lang="en-US" smtClean="0"/>
+              <a:rPr lang="en-US"/>
               <a:t>Fifth level</a:t>
             </a:r>
-            <a:endParaRPr lang="en-US"/>
           </a:p>
         </p:txBody>
       </p:sp>
@@ -3390,7 +3392,7 @@
           <a:p>
             <a:fld id="{86226015-AD98-4747-8561-A2C37DEA530F}" type="datetimeFigureOut">
               <a:rPr lang="en-US" smtClean="0"/>
-              <a:t>10/20/20</a:t>
+              <a:t>11/24/2020</a:t>
             </a:fld>
             <a:endParaRPr lang="en-US"/>
           </a:p>
@@ -3781,16 +3783,12 @@
           <a:lstStyle/>
           <a:p>
             <a:r>
-              <a:rPr lang="en-US" dirty="0" smtClean="0">
+              <a:rPr lang="en-US" dirty="0">
                 <a:latin typeface="Bell MT"/>
                 <a:cs typeface="Bell MT"/>
               </a:rPr>
               <a:t>RELIABILITY</a:t>
             </a:r>
-            <a:endParaRPr lang="en-US" dirty="0">
-              <a:latin typeface="Bell MT"/>
-              <a:cs typeface="Bell MT"/>
-            </a:endParaRPr>
           </a:p>
         </p:txBody>
       </p:sp>
@@ -3804,13 +3802,6 @@
   <p:clrMapOvr>
     <a:masterClrMapping/>
   </p:clrMapOvr>
-  <p:timing>
-    <p:tnLst>
-      <p:par>
-        <p:cTn xmlns:p14="http://schemas.microsoft.com/office/powerpoint/2010/main" id="1" dur="indefinite" restart="never" nodeType="tmRoot"/>
-      </p:par>
-    </p:tnLst>
-  </p:timing>
 </p:sld>
 </file>
 
@@ -3847,10 +3838,9 @@
           <a:lstStyle/>
           <a:p>
             <a:r>
-              <a:rPr lang="en-US" dirty="0" smtClean="0"/>
+              <a:rPr lang="en-US" dirty="0"/>
               <a:t>Bath Tub Curve</a:t>
             </a:r>
-            <a:endParaRPr lang="en-US" dirty="0"/>
           </a:p>
         </p:txBody>
       </p:sp>
@@ -3932,10 +3922,9 @@
           <a:lstStyle/>
           <a:p>
             <a:r>
-              <a:rPr lang="en-US" b="1" dirty="0" smtClean="0"/>
+              <a:rPr lang="en-US" b="1" dirty="0"/>
               <a:t>A</a:t>
             </a:r>
-            <a:endParaRPr lang="en-US" b="1" dirty="0"/>
           </a:p>
         </p:txBody>
       </p:sp>
@@ -3962,10 +3951,9 @@
           <a:lstStyle/>
           <a:p>
             <a:r>
-              <a:rPr lang="en-US" sz="2000" b="1" dirty="0" smtClean="0"/>
+              <a:rPr lang="en-US" sz="2000" b="1" dirty="0"/>
               <a:t>D</a:t>
             </a:r>
-            <a:endParaRPr lang="en-US" sz="2000" b="1" dirty="0"/>
           </a:p>
         </p:txBody>
       </p:sp>
@@ -3992,10 +3980,9 @@
           <a:lstStyle/>
           <a:p>
             <a:r>
-              <a:rPr lang="en-US" dirty="0" smtClean="0"/>
+              <a:rPr lang="en-US" dirty="0"/>
               <a:t>Infant mortality</a:t>
             </a:r>
-            <a:endParaRPr lang="en-US" dirty="0"/>
           </a:p>
         </p:txBody>
       </p:sp>
@@ -4022,7 +4009,7 @@
           <a:lstStyle/>
           <a:p>
             <a:r>
-              <a:rPr lang="en-US" dirty="0" err="1" smtClean="0"/>
+              <a:rPr lang="en-US" dirty="0" err="1"/>
               <a:t>Wearout</a:t>
             </a:r>
             <a:endParaRPr lang="en-US" dirty="0"/>
@@ -4039,13 +4026,6 @@
   <p:clrMapOvr>
     <a:masterClrMapping/>
   </p:clrMapOvr>
-  <p:timing>
-    <p:tnLst>
-      <p:par>
-        <p:cTn xmlns:p14="http://schemas.microsoft.com/office/powerpoint/2010/main" id="1" dur="indefinite" restart="never" nodeType="tmRoot"/>
-      </p:par>
-    </p:tnLst>
-  </p:timing>
 </p:sld>
 </file>
 
@@ -4104,20 +4084,13 @@
                 <a:latin typeface="Bell MT"/>
                 <a:cs typeface="Bell MT"/>
               </a:rPr>
-              <a:t>Failures within this period are caused by defects and poor design that cause an item to be legitimately bad</a:t>
-            </a:r>
-            <a:r>
-              <a:rPr lang="en-US" sz="2800" dirty="0" smtClean="0">
-                <a:latin typeface="Bell MT"/>
-                <a:cs typeface="Bell MT"/>
-              </a:rPr>
-              <a:t>.</a:t>
+              <a:t>Failures within this period are caused by defects and poor design that cause an item to be legitimately bad.</a:t>
             </a:r>
           </a:p>
           <a:p>
             <a:pPr algn="just"/>
             <a:r>
-              <a:rPr lang="en-US" sz="2800" dirty="0" smtClean="0">
+              <a:rPr lang="en-US" sz="2800" dirty="0">
                 <a:latin typeface="Bell MT"/>
                 <a:cs typeface="Bell MT"/>
               </a:rPr>
@@ -4127,16 +4100,12 @@
           <a:p>
             <a:pPr algn="just"/>
             <a:r>
-              <a:rPr lang="en-US" sz="2800" dirty="0" smtClean="0">
+              <a:rPr lang="en-US" sz="2800" dirty="0">
                 <a:latin typeface="Bell MT"/>
                 <a:cs typeface="Bell MT"/>
               </a:rPr>
               <a:t>Good system vendors will perform an operation called “burn in” where they put together and test a system for several days to try to weed out these types of problems so the customer doesn't see them.</a:t>
             </a:r>
-            <a:endParaRPr lang="en-US" sz="2800" dirty="0">
-              <a:latin typeface="Bell MT"/>
-              <a:cs typeface="Bell MT"/>
-            </a:endParaRPr>
           </a:p>
         </p:txBody>
       </p:sp>
@@ -4183,13 +4152,6 @@
   <p:clrMapOvr>
     <a:masterClrMapping/>
   </p:clrMapOvr>
-  <p:timing>
-    <p:tnLst>
-      <p:par>
-        <p:cTn xmlns:p14="http://schemas.microsoft.com/office/powerpoint/2010/main" id="1" dur="indefinite" restart="never" nodeType="tmRoot"/>
-      </p:par>
-    </p:tnLst>
-  </p:timing>
 </p:sld>
 </file>
 
@@ -4228,16 +4190,12 @@
           <a:lstStyle/>
           <a:p>
             <a:r>
-              <a:rPr lang="en-US" dirty="0" smtClean="0">
+              <a:rPr lang="en-US" dirty="0">
                 <a:latin typeface="Bell MT"/>
                 <a:cs typeface="Bell MT"/>
               </a:rPr>
               <a:t>Chance failure / Normal Operating Life </a:t>
             </a:r>
-            <a:endParaRPr lang="en-US" dirty="0">
-              <a:latin typeface="Bell MT"/>
-              <a:cs typeface="Bell MT"/>
-            </a:endParaRPr>
           </a:p>
         </p:txBody>
       </p:sp>
@@ -4258,7 +4216,7 @@
           <a:p>
             <a:pPr algn="just"/>
             <a:r>
-              <a:rPr lang="en-US" dirty="0" smtClean="0">
+              <a:rPr lang="en-US" dirty="0">
                 <a:latin typeface="Bell MT"/>
                 <a:cs typeface="Bell MT"/>
               </a:rPr>
@@ -4268,7 +4226,7 @@
           <a:p>
             <a:pPr algn="just"/>
             <a:r>
-              <a:rPr lang="en-US" dirty="0" smtClean="0">
+              <a:rPr lang="en-US" dirty="0">
                 <a:latin typeface="Bell MT"/>
                 <a:cs typeface="Bell MT"/>
               </a:rPr>
@@ -4278,16 +4236,12 @@
           <a:p>
             <a:pPr algn="just"/>
             <a:r>
-              <a:rPr lang="en-US" dirty="0" smtClean="0">
+              <a:rPr lang="en-US" dirty="0">
                 <a:latin typeface="Bell MT"/>
                 <a:cs typeface="Bell MT"/>
               </a:rPr>
               <a:t>This phase, in which the failure rate is constant, typically represents the useful life of the product.</a:t>
             </a:r>
-            <a:endParaRPr lang="en-US" dirty="0">
-              <a:latin typeface="Bell MT"/>
-              <a:cs typeface="Bell MT"/>
-            </a:endParaRPr>
           </a:p>
         </p:txBody>
       </p:sp>
@@ -4301,13 +4255,6 @@
   <p:clrMapOvr>
     <a:masterClrMapping/>
   </p:clrMapOvr>
-  <p:timing>
-    <p:tnLst>
-      <p:par>
-        <p:cTn xmlns:p14="http://schemas.microsoft.com/office/powerpoint/2010/main" id="1" dur="indefinite" restart="never" nodeType="tmRoot"/>
-      </p:par>
-    </p:tnLst>
-  </p:timing>
 </p:sld>
 </file>
 
@@ -4344,16 +4291,12 @@
           <a:lstStyle/>
           <a:p>
             <a:r>
-              <a:rPr lang="en-US" dirty="0" smtClean="0">
+              <a:rPr lang="en-US" dirty="0">
                 <a:latin typeface="Bell MT"/>
                 <a:cs typeface="Bell MT"/>
               </a:rPr>
               <a:t>Wear out / Ageing</a:t>
             </a:r>
-            <a:endParaRPr lang="en-US" dirty="0">
-              <a:latin typeface="Bell MT"/>
-              <a:cs typeface="Bell MT"/>
-            </a:endParaRPr>
           </a:p>
         </p:txBody>
       </p:sp>
@@ -4374,7 +4317,7 @@
           <a:p>
             <a:pPr algn="just"/>
             <a:r>
-              <a:rPr lang="en-US" dirty="0" smtClean="0">
+              <a:rPr lang="en-US" dirty="0">
                 <a:latin typeface="Bell MT"/>
                 <a:cs typeface="Bell MT"/>
               </a:rPr>
@@ -4384,16 +4327,12 @@
           <a:p>
             <a:pPr algn="just"/>
             <a:r>
-              <a:rPr lang="en-US" dirty="0" smtClean="0">
+              <a:rPr lang="en-US" dirty="0">
                 <a:latin typeface="Bell MT"/>
                 <a:cs typeface="Bell MT"/>
               </a:rPr>
               <a:t>The period where failures start to increase is called the wear out phase of component life.</a:t>
             </a:r>
-            <a:endParaRPr lang="en-US" dirty="0">
-              <a:latin typeface="Bell MT"/>
-              <a:cs typeface="Bell MT"/>
-            </a:endParaRPr>
           </a:p>
         </p:txBody>
       </p:sp>
@@ -4407,13 +4346,6 @@
   <p:clrMapOvr>
     <a:masterClrMapping/>
   </p:clrMapOvr>
-  <p:timing>
-    <p:tnLst>
-      <p:par>
-        <p:cTn xmlns:p14="http://schemas.microsoft.com/office/powerpoint/2010/main" id="1" dur="indefinite" restart="never" nodeType="tmRoot"/>
-      </p:par>
-    </p:tnLst>
-  </p:timing>
 </p:sld>
 </file>
 
@@ -4450,16 +4382,12 @@
           <a:lstStyle/>
           <a:p>
             <a:r>
-              <a:rPr lang="en-US" dirty="0" smtClean="0">
+              <a:rPr lang="en-US" dirty="0">
                 <a:latin typeface="Bell MT"/>
                 <a:cs typeface="Bell MT"/>
               </a:rPr>
               <a:t>System Reliability </a:t>
             </a:r>
-            <a:endParaRPr lang="en-US" dirty="0">
-              <a:latin typeface="Bell MT"/>
-              <a:cs typeface="Bell MT"/>
-            </a:endParaRPr>
           </a:p>
         </p:txBody>
       </p:sp>
@@ -4480,30 +4408,26 @@
           <a:p>
             <a:pPr algn="just"/>
             <a:r>
-              <a:rPr lang="en-US" dirty="0" smtClean="0">
+              <a:rPr lang="en-US" dirty="0">
                 <a:latin typeface="Bell MT"/>
                 <a:cs typeface="Bell MT"/>
               </a:rPr>
               <a:t>Series System: When components are in series and each component has a reliability </a:t>
             </a:r>
             <a:r>
-              <a:rPr lang="en-US" dirty="0" err="1" smtClean="0">
+              <a:rPr lang="en-US" dirty="0" err="1">
                 <a:latin typeface="Bell MT"/>
                 <a:cs typeface="Bell MT"/>
               </a:rPr>
               <a:t>Ri</a:t>
             </a:r>
             <a:r>
-              <a:rPr lang="en-US" dirty="0" smtClean="0">
+              <a:rPr lang="en-US" dirty="0">
                 <a:latin typeface="Bell MT"/>
                 <a:cs typeface="Bell MT"/>
               </a:rPr>
               <a:t> . If one component fails, the system fails.</a:t>
             </a:r>
-            <a:endParaRPr lang="en-US" dirty="0">
-              <a:latin typeface="Bell MT"/>
-              <a:cs typeface="Bell MT"/>
-            </a:endParaRPr>
           </a:p>
         </p:txBody>
       </p:sp>
@@ -4589,7 +4513,7 @@
           <a:p>
             <a:pPr algn="just"/>
             <a:r>
-              <a:rPr lang="en-US" dirty="0" smtClean="0">
+              <a:rPr lang="en-US" dirty="0">
                 <a:latin typeface="Bell MT"/>
                 <a:cs typeface="Bell MT"/>
               </a:rPr>
@@ -4601,21 +4525,21 @@
               <a:buNone/>
             </a:pPr>
             <a:r>
-              <a:rPr lang="en-US" dirty="0" smtClean="0">
+              <a:rPr lang="en-US" dirty="0">
                 <a:latin typeface="Bell MT"/>
                 <a:cs typeface="Bell MT"/>
               </a:rPr>
               <a:t>R</a:t>
             </a:r>
             <a:r>
-              <a:rPr lang="en-US" sz="1800" dirty="0" smtClean="0">
+              <a:rPr lang="en-US" sz="1800" dirty="0">
                 <a:latin typeface="Bell MT"/>
                 <a:cs typeface="Bell MT"/>
               </a:rPr>
               <a:t>AB </a:t>
             </a:r>
             <a:r>
-              <a:rPr lang="en-US" sz="2800" dirty="0" smtClean="0">
+              <a:rPr lang="en-US" sz="2800" dirty="0">
                 <a:latin typeface="Bell MT"/>
                 <a:cs typeface="Bell MT"/>
               </a:rPr>
@@ -4627,7 +4551,7 @@
               <a:buNone/>
             </a:pPr>
             <a:r>
-              <a:rPr lang="en-US" sz="2800" dirty="0" smtClean="0">
+              <a:rPr lang="en-US" sz="2800" dirty="0">
                 <a:latin typeface="Bell MT"/>
                 <a:cs typeface="Bell MT"/>
               </a:rPr>
@@ -4639,21 +4563,21 @@
               <a:buNone/>
             </a:pPr>
             <a:r>
-              <a:rPr lang="en-US" sz="2800" dirty="0" smtClean="0">
+              <a:rPr lang="en-US" sz="2800" dirty="0">
                 <a:latin typeface="Bell MT"/>
                 <a:cs typeface="Bell MT"/>
               </a:rPr>
               <a:t>R</a:t>
             </a:r>
             <a:r>
-              <a:rPr lang="en-US" sz="1800" dirty="0" smtClean="0">
+              <a:rPr lang="en-US" sz="1800" dirty="0">
                 <a:latin typeface="Bell MT"/>
                 <a:cs typeface="Bell MT"/>
               </a:rPr>
               <a:t>AB </a:t>
             </a:r>
             <a:r>
-              <a:rPr lang="en-US" sz="2800" dirty="0" smtClean="0">
+              <a:rPr lang="en-US" sz="2800" dirty="0">
                 <a:latin typeface="Bell MT"/>
                 <a:cs typeface="Bell MT"/>
               </a:rPr>
@@ -4669,14 +4593,7 @@
                 <a:latin typeface="Bell MT"/>
                 <a:cs typeface="Bell MT"/>
               </a:rPr>
-              <a:t> </a:t>
-            </a:r>
-            <a:r>
-              <a:rPr lang="en-US" sz="2800" dirty="0" smtClean="0">
-                <a:latin typeface="Bell MT"/>
-                <a:cs typeface="Bell MT"/>
-              </a:rPr>
-              <a:t>                           = 0.86</a:t>
+              <a:t>                            = 0.86</a:t>
             </a:r>
           </a:p>
           <a:p>
@@ -4684,7 +4601,7 @@
               <a:buNone/>
             </a:pPr>
             <a:r>
-              <a:rPr lang="en-US" sz="2800" dirty="0" smtClean="0">
+              <a:rPr lang="en-US" sz="2800" dirty="0">
                 <a:latin typeface="Bell MT"/>
                 <a:cs typeface="Bell MT"/>
               </a:rPr>
@@ -4743,16 +4660,12 @@
           <a:lstStyle/>
           <a:p>
             <a:r>
-              <a:rPr lang="en-US" dirty="0" smtClean="0">
+              <a:rPr lang="en-US" dirty="0">
                 <a:latin typeface="Bell MT"/>
                 <a:cs typeface="Bell MT"/>
               </a:rPr>
               <a:t>System Reliability </a:t>
             </a:r>
-            <a:endParaRPr lang="en-US" dirty="0">
-              <a:latin typeface="Bell MT"/>
-              <a:cs typeface="Bell MT"/>
-            </a:endParaRPr>
           </a:p>
         </p:txBody>
       </p:sp>
@@ -4773,30 +4686,26 @@
           <a:p>
             <a:pPr algn="just"/>
             <a:r>
-              <a:rPr lang="en-US" dirty="0" smtClean="0">
+              <a:rPr lang="en-US" dirty="0">
                 <a:latin typeface="Bell MT"/>
                 <a:cs typeface="Bell MT"/>
               </a:rPr>
               <a:t>Parallel System : When components are in parallel and each component has a reliability </a:t>
             </a:r>
             <a:r>
-              <a:rPr lang="en-US" dirty="0" err="1" smtClean="0">
+              <a:rPr lang="en-US" dirty="0" err="1">
                 <a:latin typeface="Bell MT"/>
                 <a:cs typeface="Bell MT"/>
               </a:rPr>
               <a:t>Ri</a:t>
             </a:r>
             <a:r>
-              <a:rPr lang="en-US" dirty="0" smtClean="0">
+              <a:rPr lang="en-US" dirty="0">
                 <a:latin typeface="Bell MT"/>
                 <a:cs typeface="Bell MT"/>
               </a:rPr>
               <a:t>. If one component fails, the system does not fail</a:t>
             </a:r>
-            <a:endParaRPr lang="en-US" dirty="0">
-              <a:latin typeface="Bell MT"/>
-              <a:cs typeface="Bell MT"/>
-            </a:endParaRPr>
           </a:p>
         </p:txBody>
       </p:sp>
@@ -4884,21 +4793,21 @@
               <a:buNone/>
             </a:pPr>
             <a:r>
-              <a:rPr lang="en-US" dirty="0" smtClean="0">
+              <a:rPr lang="en-US" dirty="0">
                 <a:latin typeface="Bell MT"/>
                 <a:cs typeface="Bell MT"/>
               </a:rPr>
               <a:t>R</a:t>
             </a:r>
             <a:r>
-              <a:rPr lang="en-US" sz="1800" dirty="0" smtClean="0">
+              <a:rPr lang="en-US" sz="1800" dirty="0">
                 <a:latin typeface="Bell MT"/>
                 <a:cs typeface="Bell MT"/>
               </a:rPr>
               <a:t>AB</a:t>
             </a:r>
             <a:r>
-              <a:rPr lang="en-US" sz="2800" dirty="0" smtClean="0">
+              <a:rPr lang="en-US" sz="2800" dirty="0">
                 <a:latin typeface="Bell MT"/>
                 <a:cs typeface="Bell MT"/>
               </a:rPr>
@@ -4919,7 +4828,7 @@
               <a:buNone/>
             </a:pPr>
             <a:r>
-              <a:rPr lang="en-US" sz="2800" dirty="0" smtClean="0">
+              <a:rPr lang="en-US" sz="2800" dirty="0">
                 <a:latin typeface="Bell MT"/>
                 <a:cs typeface="Bell MT"/>
               </a:rPr>
@@ -4931,7 +4840,7 @@
               <a:buNone/>
             </a:pPr>
             <a:r>
-              <a:rPr lang="en-US" sz="2800" dirty="0" smtClean="0">
+              <a:rPr lang="en-US" sz="2800" dirty="0">
                 <a:latin typeface="Bell MT"/>
                 <a:cs typeface="Bell MT"/>
               </a:rPr>
@@ -4952,21 +4861,21 @@
               <a:buNone/>
             </a:pPr>
             <a:r>
-              <a:rPr lang="en-US" sz="2800" dirty="0" smtClean="0">
+              <a:rPr lang="en-US" sz="2800" dirty="0">
                 <a:latin typeface="Bell MT"/>
                 <a:cs typeface="Bell MT"/>
               </a:rPr>
               <a:t>Overall reliability is R</a:t>
             </a:r>
             <a:r>
-              <a:rPr lang="en-US" sz="1800" dirty="0" smtClean="0">
+              <a:rPr lang="en-US" sz="1800" dirty="0">
                 <a:latin typeface="Bell MT"/>
                 <a:cs typeface="Bell MT"/>
               </a:rPr>
               <a:t>AB</a:t>
             </a:r>
             <a:r>
-              <a:rPr lang="en-US" sz="2800" dirty="0" smtClean="0">
+              <a:rPr lang="en-US" sz="2800" dirty="0">
                 <a:latin typeface="Bell MT"/>
                 <a:cs typeface="Bell MT"/>
               </a:rPr>
@@ -4987,7 +4896,7 @@
               <a:buNone/>
             </a:pPr>
             <a:r>
-              <a:rPr lang="en-US" sz="2800" dirty="0" smtClean="0">
+              <a:rPr lang="en-US" sz="2800" dirty="0">
                 <a:latin typeface="Bell MT"/>
                 <a:cs typeface="Bell MT"/>
               </a:rPr>
@@ -4999,21 +4908,21 @@
               <a:buNone/>
             </a:pPr>
             <a:r>
-              <a:rPr lang="en-US" sz="2800" dirty="0" smtClean="0">
+              <a:rPr lang="en-US" sz="2800" dirty="0">
                 <a:latin typeface="Bell MT"/>
                 <a:cs typeface="Bell MT"/>
               </a:rPr>
               <a:t>R</a:t>
             </a:r>
             <a:r>
-              <a:rPr lang="en-US" sz="1800" dirty="0" smtClean="0">
+              <a:rPr lang="en-US" sz="1800" dirty="0">
                 <a:latin typeface="Bell MT"/>
                 <a:cs typeface="Bell MT"/>
               </a:rPr>
               <a:t>AB </a:t>
             </a:r>
             <a:r>
-              <a:rPr lang="en-US" sz="2800" dirty="0" smtClean="0">
+              <a:rPr lang="en-US" sz="2800" dirty="0">
                 <a:latin typeface="Bell MT"/>
                 <a:cs typeface="Bell MT"/>
               </a:rPr>
@@ -5025,7 +4934,7 @@
               <a:buNone/>
             </a:pPr>
             <a:r>
-              <a:rPr lang="en-US" sz="2800" dirty="0" smtClean="0">
+              <a:rPr lang="en-US" sz="2800" dirty="0">
                 <a:latin typeface="Bell MT"/>
                 <a:cs typeface="Bell MT"/>
               </a:rPr>
@@ -5451,16 +5360,12 @@
           <a:lstStyle/>
           <a:p>
             <a:r>
-              <a:rPr lang="en-US" sz="4000" dirty="0" smtClean="0">
+              <a:rPr lang="en-US" sz="4000" dirty="0">
                 <a:latin typeface="Bell MT"/>
                 <a:cs typeface="Bell MT"/>
               </a:rPr>
               <a:t>Introduction</a:t>
             </a:r>
-            <a:endParaRPr lang="en-US" sz="4000" dirty="0">
-              <a:latin typeface="Bell MT"/>
-              <a:cs typeface="Bell MT"/>
-            </a:endParaRPr>
           </a:p>
         </p:txBody>
       </p:sp>
@@ -5486,7 +5391,7 @@
               <a:buChar char="Ø"/>
             </a:pPr>
             <a:r>
-              <a:rPr lang="en-US" dirty="0" smtClean="0">
+              <a:rPr lang="en-US" dirty="0">
                 <a:latin typeface="Bell MT"/>
                 <a:cs typeface="Bell MT"/>
               </a:rPr>
@@ -5499,7 +5404,7 @@
               <a:buChar char="Ø"/>
             </a:pPr>
             <a:r>
-              <a:rPr lang="en-US" dirty="0" smtClean="0">
+              <a:rPr lang="en-US" dirty="0">
                 <a:latin typeface="Bell MT"/>
                 <a:cs typeface="Bell MT"/>
               </a:rPr>
@@ -5512,16 +5417,12 @@
               <a:buChar char="Ø"/>
             </a:pPr>
             <a:r>
-              <a:rPr lang="en-US" dirty="0" smtClean="0">
+              <a:rPr lang="en-US" dirty="0">
                 <a:latin typeface="Bell MT"/>
                 <a:cs typeface="Bell MT"/>
               </a:rPr>
               <a:t>Reliability terminates with a failure – i.e., unreliability occurs.</a:t>
             </a:r>
-            <a:endParaRPr lang="en-US" dirty="0">
-              <a:latin typeface="Bell MT"/>
-              <a:cs typeface="Bell MT"/>
-            </a:endParaRPr>
           </a:p>
         </p:txBody>
       </p:sp>
@@ -5535,13 +5436,6 @@
   <p:clrMapOvr>
     <a:masterClrMapping/>
   </p:clrMapOvr>
-  <p:timing>
-    <p:tnLst>
-      <p:par>
-        <p:cTn xmlns:p14="http://schemas.microsoft.com/office/powerpoint/2010/main" id="1" dur="indefinite" restart="never" nodeType="tmRoot"/>
-      </p:par>
-    </p:tnLst>
-  </p:timing>
 </p:sld>
 </file>
 
@@ -5578,16 +5472,12 @@
           <a:lstStyle/>
           <a:p>
             <a:r>
-              <a:rPr lang="en-US" dirty="0" smtClean="0">
+              <a:rPr lang="en-US" dirty="0">
                 <a:latin typeface="Bell MT"/>
                 <a:cs typeface="Bell MT"/>
               </a:rPr>
               <a:t>MTBF/MTTF &amp; MTTR</a:t>
             </a:r>
-            <a:endParaRPr lang="en-US" dirty="0">
-              <a:latin typeface="Bell MT"/>
-              <a:cs typeface="Bell MT"/>
-            </a:endParaRPr>
           </a:p>
         </p:txBody>
       </p:sp>
@@ -5667,30 +5557,12 @@
           <a:lstStyle/>
           <a:p>
             <a:r>
-              <a:rPr lang="en-US" dirty="0" smtClean="0">
-                <a:latin typeface="Bell MT"/>
-                <a:cs typeface="Bell MT"/>
-              </a:rPr>
-              <a:t>What </a:t>
-            </a:r>
-            <a:r>
               <a:rPr lang="en-US" dirty="0">
                 <a:latin typeface="Bell MT"/>
                 <a:cs typeface="Bell MT"/>
               </a:rPr>
-              <a:t>M</a:t>
-            </a:r>
-            <a:r>
-              <a:rPr lang="en-US" dirty="0" smtClean="0">
-                <a:latin typeface="Bell MT"/>
-                <a:cs typeface="Bell MT"/>
-              </a:rPr>
-              <a:t>anagement wants ?</a:t>
-            </a:r>
-            <a:endParaRPr lang="en-US" dirty="0">
-              <a:latin typeface="Bell MT"/>
-              <a:cs typeface="Bell MT"/>
-            </a:endParaRPr>
+              <a:t>What Management wants ?</a:t>
+            </a:r>
           </a:p>
         </p:txBody>
       </p:sp>
@@ -5770,18 +5642,9 @@
           <a:lstStyle/>
           <a:p>
             <a:r>
-              <a:rPr lang="en-US" dirty="0" smtClean="0"/>
-              <a:t>Sample </a:t>
-            </a:r>
-            <a:r>
               <a:rPr lang="en-US" dirty="0"/>
-              <a:t>Q</a:t>
-            </a:r>
-            <a:r>
-              <a:rPr lang="en-US" dirty="0" smtClean="0"/>
-              <a:t>uestions</a:t>
-            </a:r>
-            <a:endParaRPr lang="en-US" dirty="0"/>
+              <a:t>Sample Questions</a:t>
+            </a:r>
           </a:p>
         </p:txBody>
       </p:sp>
@@ -5807,7 +5670,7 @@
               <a:buChar char="²"/>
             </a:pPr>
             <a:r>
-              <a:rPr lang="fi-FI" dirty="0" smtClean="0">
+              <a:rPr lang="fi-FI" dirty="0">
                 <a:solidFill>
                   <a:srgbClr val="FF6600"/>
                 </a:solidFill>
@@ -5817,7 +5680,7 @@
               <a:t>MTBF	</a:t>
             </a:r>
             <a:r>
-              <a:rPr lang="el-GR" dirty="0" smtClean="0">
+              <a:rPr lang="el-GR" dirty="0">
                 <a:solidFill>
                   <a:srgbClr val="FF6600"/>
                 </a:solidFill>
@@ -5828,7 +5691,7 @@
               <a:t>θ</a:t>
             </a:r>
             <a:r>
-              <a:rPr lang="fi-FI" dirty="0" smtClean="0">
+              <a:rPr lang="fi-FI" dirty="0">
                 <a:solidFill>
                   <a:srgbClr val="FF6600"/>
                 </a:solidFill>
@@ -5839,7 +5702,7 @@
               <a:t> = Total </a:t>
             </a:r>
             <a:r>
-              <a:rPr lang="fi-FI" dirty="0" err="1" smtClean="0">
+              <a:rPr lang="fi-FI" dirty="0" err="1">
                 <a:solidFill>
                   <a:srgbClr val="FF6600"/>
                 </a:solidFill>
@@ -5850,7 +5713,7 @@
               <a:t>time</a:t>
             </a:r>
             <a:r>
-              <a:rPr lang="fi-FI" dirty="0" smtClean="0">
+              <a:rPr lang="fi-FI" dirty="0">
                 <a:solidFill>
                   <a:srgbClr val="FF6600"/>
                 </a:solidFill>
@@ -5861,7 +5724,7 @@
               <a:t>   Total </a:t>
             </a:r>
             <a:r>
-              <a:rPr lang="fi-FI" dirty="0" err="1" smtClean="0">
+              <a:rPr lang="fi-FI" dirty="0" err="1">
                 <a:solidFill>
                   <a:srgbClr val="FF6600"/>
                 </a:solidFill>
@@ -5872,7 +5735,7 @@
               <a:t>Number</a:t>
             </a:r>
             <a:r>
-              <a:rPr lang="fi-FI" dirty="0" smtClean="0">
+              <a:rPr lang="fi-FI" dirty="0">
                 <a:solidFill>
                   <a:srgbClr val="FF6600"/>
                 </a:solidFill>
@@ -5883,7 +5746,7 @@
               <a:t> of </a:t>
             </a:r>
             <a:r>
-              <a:rPr lang="fi-FI" dirty="0" err="1" smtClean="0">
+              <a:rPr lang="fi-FI" dirty="0" err="1">
                 <a:solidFill>
                   <a:srgbClr val="FF6600"/>
                 </a:solidFill>
@@ -6042,7 +5905,7 @@
           </a:p>
           <a:p>
             <a:pPr algn="just"/>
-            <a:endParaRPr lang="fi-FI" dirty="0" smtClean="0">
+            <a:endParaRPr lang="fi-FI" dirty="0">
               <a:latin typeface="Bell MT"/>
               <a:cs typeface="Bell MT"/>
               <a:sym typeface="Symbol" pitchFamily="18" charset="2"/>
@@ -6051,7 +5914,7 @@
           <a:p>
             <a:pPr algn="just"/>
             <a:r>
-              <a:rPr lang="fi-FI" dirty="0" smtClean="0">
+              <a:rPr lang="fi-FI" dirty="0">
                 <a:latin typeface="Bell MT"/>
                 <a:cs typeface="Bell MT"/>
                 <a:sym typeface="Symbol" pitchFamily="18" charset="2"/>
@@ -6184,15 +6047,18 @@
                 <a:cs typeface="Bell MT"/>
                 <a:sym typeface="Symbol" pitchFamily="18" charset="2"/>
               </a:rPr>
-              <a:t> is the MTBF? </a:t>
-            </a:r>
+              <a:t> is the MTBF? What is the failure rate? Ans= 4500hr, 0.00022/hr</a:t>
+            </a:r>
+          </a:p>
+          <a:p>
+            <a:pPr algn="just"/>
             <a:r>
               <a:rPr lang="fi-FI" dirty="0" err="1">
                 <a:latin typeface="Bell MT"/>
                 <a:cs typeface="Bell MT"/>
                 <a:sym typeface="Symbol" pitchFamily="18" charset="2"/>
               </a:rPr>
-              <a:t>What</a:t>
+              <a:t>Five</a:t>
             </a:r>
             <a:r>
               <a:rPr lang="fi-FI" dirty="0">
@@ -6200,7 +6066,7 @@
                 <a:cs typeface="Bell MT"/>
                 <a:sym typeface="Symbol" pitchFamily="18" charset="2"/>
               </a:rPr>
-              <a:t> is the </a:t>
+              <a:t> </a:t>
             </a:r>
             <a:r>
               <a:rPr lang="fi-FI" dirty="0" err="1">
@@ -6208,6 +6074,70 @@
                 <a:cs typeface="Bell MT"/>
                 <a:sym typeface="Symbol" pitchFamily="18" charset="2"/>
               </a:rPr>
+              <a:t>oil</a:t>
+            </a:r>
+            <a:r>
+              <a:rPr lang="fi-FI" dirty="0">
+                <a:latin typeface="Bell MT"/>
+                <a:cs typeface="Bell MT"/>
+                <a:sym typeface="Symbol" pitchFamily="18" charset="2"/>
+              </a:rPr>
+              <a:t> </a:t>
+            </a:r>
+            <a:r>
+              <a:rPr lang="fi-FI" dirty="0" err="1">
+                <a:latin typeface="Bell MT"/>
+                <a:cs typeface="Bell MT"/>
+                <a:sym typeface="Symbol" pitchFamily="18" charset="2"/>
+              </a:rPr>
+              <a:t>pumps</a:t>
+            </a:r>
+            <a:r>
+              <a:rPr lang="fi-FI" dirty="0">
+                <a:latin typeface="Bell MT"/>
+                <a:cs typeface="Bell MT"/>
+                <a:sym typeface="Symbol" pitchFamily="18" charset="2"/>
+              </a:rPr>
+              <a:t> </a:t>
+            </a:r>
+            <a:r>
+              <a:rPr lang="fi-FI" dirty="0" err="1">
+                <a:latin typeface="Bell MT"/>
+                <a:cs typeface="Bell MT"/>
+                <a:sym typeface="Symbol" pitchFamily="18" charset="2"/>
+              </a:rPr>
+              <a:t>were</a:t>
+            </a:r>
+            <a:r>
+              <a:rPr lang="fi-FI" dirty="0">
+                <a:latin typeface="Bell MT"/>
+                <a:cs typeface="Bell MT"/>
+                <a:sym typeface="Symbol" pitchFamily="18" charset="2"/>
+              </a:rPr>
+              <a:t>  </a:t>
+            </a:r>
+            <a:r>
+              <a:rPr lang="fi-FI" dirty="0" err="1">
+                <a:latin typeface="Bell MT"/>
+                <a:cs typeface="Bell MT"/>
+                <a:sym typeface="Symbol" pitchFamily="18" charset="2"/>
+              </a:rPr>
+              <a:t>tested</a:t>
+            </a:r>
+            <a:r>
+              <a:rPr lang="fi-FI" dirty="0">
+                <a:latin typeface="Bell MT"/>
+                <a:cs typeface="Bell MT"/>
+                <a:sym typeface="Symbol" pitchFamily="18" charset="2"/>
+              </a:rPr>
+              <a:t> with </a:t>
+            </a:r>
+            <a:r>
+              <a:rPr lang="fi-FI" dirty="0" err="1">
+                <a:latin typeface="Bell MT"/>
+                <a:cs typeface="Bell MT"/>
+                <a:sym typeface="Symbol" pitchFamily="18" charset="2"/>
+              </a:rPr>
               <a:t>failure</a:t>
             </a:r>
             <a:r>
@@ -6224,178 +6154,15 @@
                 <a:cs typeface="Bell MT"/>
                 <a:sym typeface="Symbol" pitchFamily="18" charset="2"/>
               </a:rPr>
-              <a:t>rate</a:t>
-            </a:r>
-            <a:r>
-              <a:rPr lang="fi-FI" dirty="0" smtClean="0">
+              <a:t>hours</a:t>
+            </a:r>
+            <a:r>
+              <a:rPr lang="fi-FI" dirty="0">
                 <a:latin typeface="Bell MT"/>
                 <a:cs typeface="Bell MT"/>
                 <a:sym typeface="Symbol" pitchFamily="18" charset="2"/>
               </a:rPr>
-              <a:t>?</a:t>
-            </a:r>
-          </a:p>
-          <a:p>
-            <a:pPr algn="just"/>
-            <a:r>
-              <a:rPr lang="fi-FI" dirty="0" err="1">
-                <a:latin typeface="Bell MT"/>
-                <a:cs typeface="Bell MT"/>
-                <a:sym typeface="Symbol" pitchFamily="18" charset="2"/>
-              </a:rPr>
-              <a:t>Five</a:t>
-            </a:r>
-            <a:r>
-              <a:rPr lang="fi-FI" dirty="0">
-                <a:latin typeface="Bell MT"/>
-                <a:cs typeface="Bell MT"/>
-                <a:sym typeface="Symbol" pitchFamily="18" charset="2"/>
-              </a:rPr>
-              <a:t> </a:t>
-            </a:r>
-            <a:r>
-              <a:rPr lang="fi-FI" dirty="0" err="1">
-                <a:latin typeface="Bell MT"/>
-                <a:cs typeface="Bell MT"/>
-                <a:sym typeface="Symbol" pitchFamily="18" charset="2"/>
-              </a:rPr>
-              <a:t>oil</a:t>
-            </a:r>
-            <a:r>
-              <a:rPr lang="fi-FI" dirty="0">
-                <a:latin typeface="Bell MT"/>
-                <a:cs typeface="Bell MT"/>
-                <a:sym typeface="Symbol" pitchFamily="18" charset="2"/>
-              </a:rPr>
-              <a:t> </a:t>
-            </a:r>
-            <a:r>
-              <a:rPr lang="fi-FI" dirty="0" err="1">
-                <a:latin typeface="Bell MT"/>
-                <a:cs typeface="Bell MT"/>
-                <a:sym typeface="Symbol" pitchFamily="18" charset="2"/>
-              </a:rPr>
-              <a:t>pumps</a:t>
-            </a:r>
-            <a:r>
-              <a:rPr lang="fi-FI" dirty="0">
-                <a:latin typeface="Bell MT"/>
-                <a:cs typeface="Bell MT"/>
-                <a:sym typeface="Symbol" pitchFamily="18" charset="2"/>
-              </a:rPr>
-              <a:t> </a:t>
-            </a:r>
-            <a:r>
-              <a:rPr lang="fi-FI" dirty="0" err="1">
-                <a:latin typeface="Bell MT"/>
-                <a:cs typeface="Bell MT"/>
-                <a:sym typeface="Symbol" pitchFamily="18" charset="2"/>
-              </a:rPr>
-              <a:t>were</a:t>
-            </a:r>
-            <a:r>
-              <a:rPr lang="fi-FI" dirty="0">
-                <a:latin typeface="Bell MT"/>
-                <a:cs typeface="Bell MT"/>
-                <a:sym typeface="Symbol" pitchFamily="18" charset="2"/>
-              </a:rPr>
-              <a:t>  </a:t>
-            </a:r>
-            <a:r>
-              <a:rPr lang="fi-FI" dirty="0" err="1">
-                <a:latin typeface="Bell MT"/>
-                <a:cs typeface="Bell MT"/>
-                <a:sym typeface="Symbol" pitchFamily="18" charset="2"/>
-              </a:rPr>
-              <a:t>tested</a:t>
-            </a:r>
-            <a:r>
-              <a:rPr lang="fi-FI" dirty="0">
-                <a:latin typeface="Bell MT"/>
-                <a:cs typeface="Bell MT"/>
-                <a:sym typeface="Symbol" pitchFamily="18" charset="2"/>
-              </a:rPr>
-              <a:t> with </a:t>
-            </a:r>
-            <a:r>
-              <a:rPr lang="fi-FI" dirty="0" err="1">
-                <a:latin typeface="Bell MT"/>
-                <a:cs typeface="Bell MT"/>
-                <a:sym typeface="Symbol" pitchFamily="18" charset="2"/>
-              </a:rPr>
-              <a:t>failure</a:t>
-            </a:r>
-            <a:r>
-              <a:rPr lang="fi-FI" dirty="0">
-                <a:latin typeface="Bell MT"/>
-                <a:cs typeface="Bell MT"/>
-                <a:sym typeface="Symbol" pitchFamily="18" charset="2"/>
-              </a:rPr>
-              <a:t> </a:t>
-            </a:r>
-            <a:r>
-              <a:rPr lang="fi-FI" dirty="0" err="1">
-                <a:latin typeface="Bell MT"/>
-                <a:cs typeface="Bell MT"/>
-                <a:sym typeface="Symbol" pitchFamily="18" charset="2"/>
-              </a:rPr>
-              <a:t>hours</a:t>
-            </a:r>
-            <a:r>
-              <a:rPr lang="fi-FI" dirty="0">
-                <a:latin typeface="Bell MT"/>
-                <a:cs typeface="Bell MT"/>
-                <a:sym typeface="Symbol" pitchFamily="18" charset="2"/>
-              </a:rPr>
-              <a:t> of 45, 33, 62, 94 and 105. </a:t>
-            </a:r>
-            <a:r>
-              <a:rPr lang="fi-FI" dirty="0" err="1">
-                <a:latin typeface="Bell MT"/>
-                <a:cs typeface="Bell MT"/>
-                <a:sym typeface="Symbol" pitchFamily="18" charset="2"/>
-              </a:rPr>
-              <a:t>What</a:t>
-            </a:r>
-            <a:r>
-              <a:rPr lang="fi-FI" dirty="0">
-                <a:latin typeface="Bell MT"/>
-                <a:cs typeface="Bell MT"/>
-                <a:sym typeface="Symbol" pitchFamily="18" charset="2"/>
-              </a:rPr>
-              <a:t> is the MTTF and </a:t>
-            </a:r>
-            <a:r>
-              <a:rPr lang="fi-FI" dirty="0" err="1">
-                <a:latin typeface="Bell MT"/>
-                <a:cs typeface="Bell MT"/>
-                <a:sym typeface="Symbol" pitchFamily="18" charset="2"/>
-              </a:rPr>
-              <a:t>failure</a:t>
-            </a:r>
-            <a:r>
-              <a:rPr lang="fi-FI" dirty="0">
-                <a:latin typeface="Bell MT"/>
-                <a:cs typeface="Bell MT"/>
-                <a:sym typeface="Symbol" pitchFamily="18" charset="2"/>
-              </a:rPr>
-              <a:t> </a:t>
-            </a:r>
-            <a:r>
-              <a:rPr lang="fi-FI" dirty="0" err="1">
-                <a:latin typeface="Bell MT"/>
-                <a:cs typeface="Bell MT"/>
-                <a:sym typeface="Symbol" pitchFamily="18" charset="2"/>
-              </a:rPr>
-              <a:t>rate</a:t>
-            </a:r>
-            <a:r>
-              <a:rPr lang="fi-FI" dirty="0">
-                <a:latin typeface="Bell MT"/>
-                <a:cs typeface="Bell MT"/>
-                <a:sym typeface="Symbol" pitchFamily="18" charset="2"/>
-              </a:rPr>
-              <a:t>?</a:t>
+              <a:t> of 45, 33, 62, 94 and 105. What is the MTTF and failure rate?67.8hrs,(1/mttf)1/67.8(same as mtbf)</a:t>
             </a:r>
           </a:p>
           <a:p>
@@ -6454,10 +6221,9 @@
           <a:lstStyle/>
           <a:p>
             <a:r>
-              <a:rPr lang="en-US" dirty="0" smtClean="0"/>
+              <a:rPr lang="en-US" dirty="0"/>
               <a:t>Sample Questions</a:t>
             </a:r>
-            <a:endParaRPr lang="en-US" dirty="0"/>
           </a:p>
         </p:txBody>
       </p:sp>
@@ -6576,16 +6342,12 @@
           <a:lstStyle/>
           <a:p>
             <a:r>
-              <a:rPr lang="en-US" dirty="0" smtClean="0">
+              <a:rPr lang="en-US" dirty="0">
                 <a:latin typeface="Bell MT"/>
                 <a:cs typeface="Bell MT"/>
               </a:rPr>
               <a:t>Introduction</a:t>
             </a:r>
-            <a:endParaRPr lang="en-US" dirty="0">
-              <a:latin typeface="Bell MT"/>
-              <a:cs typeface="Bell MT"/>
-            </a:endParaRPr>
           </a:p>
         </p:txBody>
       </p:sp>
@@ -6612,16 +6374,12 @@
               </a:lnSpc>
             </a:pPr>
             <a:r>
-              <a:rPr lang="en-US" sz="2800" dirty="0" smtClean="0">
+              <a:rPr lang="en-US" sz="2800" dirty="0">
                 <a:latin typeface="Bell MT"/>
                 <a:cs typeface="Bell MT"/>
               </a:rPr>
               <a:t>Reliability is an engineering discipline for applying scientific know-how to a component, assembly, plant, or a process so it will perform its intended function, without failure, for the required time duration when installed and operated correctly in a specific environment.</a:t>
             </a:r>
-            <a:endParaRPr lang="en-US" sz="2800" dirty="0">
-              <a:latin typeface="Bell MT"/>
-              <a:cs typeface="Bell MT"/>
-            </a:endParaRPr>
           </a:p>
           <a:p>
             <a:pPr algn="just">
@@ -6630,16 +6388,12 @@
               </a:lnSpc>
             </a:pPr>
             <a:r>
-              <a:rPr lang="en-US" sz="2800" dirty="0" smtClean="0">
+              <a:rPr lang="en-US" sz="2800" dirty="0">
                 <a:latin typeface="Bell MT"/>
                 <a:cs typeface="Bell MT"/>
               </a:rPr>
               <a:t>Reliability is the probability than an item can perform its intended function without failure for a specific interval under stated conditions.</a:t>
             </a:r>
-            <a:endParaRPr lang="en-US" sz="2800" dirty="0">
-              <a:latin typeface="Bell MT"/>
-              <a:cs typeface="Bell MT"/>
-            </a:endParaRPr>
           </a:p>
         </p:txBody>
       </p:sp>
@@ -6653,13 +6407,6 @@
   <p:clrMapOvr>
     <a:masterClrMapping/>
   </p:clrMapOvr>
-  <p:timing>
-    <p:tnLst>
-      <p:par>
-        <p:cTn xmlns:p14="http://schemas.microsoft.com/office/powerpoint/2010/main" id="1" dur="indefinite" restart="never" nodeType="tmRoot"/>
-      </p:par>
-    </p:tnLst>
-  </p:timing>
 </p:sld>
 </file>
 
@@ -6696,16 +6443,12 @@
           <a:lstStyle/>
           <a:p>
             <a:r>
-              <a:rPr lang="en-US" dirty="0" smtClean="0">
+              <a:rPr lang="en-US" dirty="0">
                 <a:latin typeface="Bell MT"/>
                 <a:cs typeface="Bell MT"/>
               </a:rPr>
               <a:t>Four Aspects of Reliability</a:t>
             </a:r>
-            <a:endParaRPr lang="en-US" dirty="0">
-              <a:latin typeface="Bell MT"/>
-              <a:cs typeface="Bell MT"/>
-            </a:endParaRPr>
           </a:p>
         </p:txBody>
       </p:sp>
@@ -6733,7 +6476,7 @@
           <a:p>
             <a:pPr algn="just"/>
             <a:r>
-              <a:rPr lang="en-US" sz="2800" dirty="0" smtClean="0">
+              <a:rPr lang="en-US" sz="2800" dirty="0">
                 <a:latin typeface="Bell MT"/>
                 <a:cs typeface="Bell MT"/>
               </a:rPr>
@@ -6743,21 +6486,17 @@
           <a:p>
             <a:pPr algn="just"/>
             <a:r>
-              <a:rPr lang="en-US" sz="2800" dirty="0" smtClean="0">
+              <a:rPr lang="en-US" sz="2800" dirty="0">
                 <a:latin typeface="Bell MT"/>
                 <a:cs typeface="Bell MT"/>
               </a:rPr>
               <a:t>The functional performance of the product has to meet certain stipulations and a functional definition of failure is needed. For example, a failure means different things to the user and to the repair person.</a:t>
             </a:r>
-            <a:endParaRPr lang="en-US" sz="2800" dirty="0">
-              <a:latin typeface="Bell MT"/>
-              <a:cs typeface="Bell MT"/>
-            </a:endParaRPr>
           </a:p>
           <a:p>
             <a:pPr algn="just"/>
             <a:r>
-              <a:rPr lang="en-US" sz="2800" dirty="0" smtClean="0">
+              <a:rPr lang="en-US" sz="2800" dirty="0">
                 <a:latin typeface="Bell MT"/>
                 <a:cs typeface="Bell MT"/>
               </a:rPr>
@@ -6767,16 +6506,12 @@
           <a:p>
             <a:pPr algn="just"/>
             <a:r>
-              <a:rPr lang="en-US" sz="2800" dirty="0" smtClean="0">
+              <a:rPr lang="en-US" sz="2800" dirty="0">
                 <a:latin typeface="Bell MT"/>
                 <a:cs typeface="Bell MT"/>
               </a:rPr>
               <a:t>Operating or environmental conditions under which product use takes place are specified</a:t>
             </a:r>
-            <a:endParaRPr lang="en-US" sz="2800" dirty="0">
-              <a:latin typeface="Bell MT"/>
-              <a:cs typeface="Bell MT"/>
-            </a:endParaRPr>
           </a:p>
         </p:txBody>
       </p:sp>
@@ -6790,13 +6525,6 @@
   <p:clrMapOvr>
     <a:masterClrMapping/>
   </p:clrMapOvr>
-  <p:timing>
-    <p:tnLst>
-      <p:par>
-        <p:cTn xmlns:p14="http://schemas.microsoft.com/office/powerpoint/2010/main" id="1" dur="indefinite" restart="never" nodeType="tmRoot"/>
-      </p:par>
-    </p:tnLst>
-  </p:timing>
 </p:sld>
 </file>
 
@@ -6833,16 +6561,12 @@
           <a:lstStyle/>
           <a:p>
             <a:r>
-              <a:rPr lang="en-US" dirty="0" smtClean="0">
+              <a:rPr lang="en-US" dirty="0">
                 <a:latin typeface="Bell MT"/>
                 <a:cs typeface="Bell MT"/>
               </a:rPr>
               <a:t>Cost of Unreliability</a:t>
             </a:r>
-            <a:endParaRPr lang="en-US" dirty="0">
-              <a:latin typeface="Bell MT"/>
-              <a:cs typeface="Bell MT"/>
-            </a:endParaRPr>
           </a:p>
         </p:txBody>
       </p:sp>
@@ -6865,7 +6589,7 @@
               <a:buNone/>
             </a:pPr>
             <a:r>
-              <a:rPr lang="en-US" sz="2800" dirty="0" smtClean="0">
+              <a:rPr lang="en-US" sz="2800" dirty="0">
                 <a:latin typeface="Bell MT"/>
                 <a:cs typeface="Bell MT"/>
               </a:rPr>
@@ -6875,7 +6599,7 @@
           <a:p>
             <a:pPr algn="just"/>
             <a:r>
-              <a:rPr lang="en-US" sz="2800" dirty="0" smtClean="0">
+              <a:rPr lang="en-US" sz="2800" dirty="0">
                 <a:latin typeface="Bell MT"/>
                 <a:cs typeface="Bell MT"/>
               </a:rPr>
@@ -6885,7 +6609,7 @@
           <a:p>
             <a:pPr algn="just"/>
             <a:r>
-              <a:rPr lang="en-US" sz="2800" dirty="0" smtClean="0">
+              <a:rPr lang="en-US" sz="2800" dirty="0">
                 <a:latin typeface="Bell MT"/>
                 <a:cs typeface="Bell MT"/>
               </a:rPr>
@@ -6895,7 +6619,7 @@
           <a:p>
             <a:pPr algn="just"/>
             <a:r>
-              <a:rPr lang="en-US" sz="2800" dirty="0" smtClean="0">
+              <a:rPr lang="en-US" sz="2800" dirty="0">
                 <a:latin typeface="Bell MT"/>
                 <a:cs typeface="Bell MT"/>
               </a:rPr>
@@ -6921,13 +6645,6 @@
   <p:clrMapOvr>
     <a:masterClrMapping/>
   </p:clrMapOvr>
-  <p:timing>
-    <p:tnLst>
-      <p:par>
-        <p:cTn xmlns:p14="http://schemas.microsoft.com/office/powerpoint/2010/main" id="1" dur="indefinite" restart="never" nodeType="tmRoot"/>
-      </p:par>
-    </p:tnLst>
-  </p:timing>
 </p:sld>
 </file>
 
@@ -6964,10 +6681,9 @@
           <a:lstStyle/>
           <a:p>
             <a:r>
-              <a:rPr lang="en-US" dirty="0" smtClean="0"/>
+              <a:rPr lang="en-US" dirty="0"/>
               <a:t>Designing for Reliability</a:t>
             </a:r>
-            <a:endParaRPr lang="en-US" dirty="0"/>
           </a:p>
         </p:txBody>
       </p:sp>
@@ -6990,7 +6706,7 @@
               <a:buNone/>
             </a:pPr>
             <a:r>
-              <a:rPr lang="en-US" dirty="0" smtClean="0">
+              <a:rPr lang="en-US" dirty="0">
                 <a:latin typeface="Bell MT"/>
                 <a:cs typeface="Bell MT"/>
               </a:rPr>
@@ -7000,7 +6716,7 @@
           <a:p>
             <a:pPr algn="just"/>
             <a:r>
-              <a:rPr lang="en-US" dirty="0" smtClean="0">
+              <a:rPr lang="en-US" dirty="0">
                 <a:latin typeface="Bell MT"/>
                 <a:cs typeface="Bell MT"/>
               </a:rPr>
@@ -7010,7 +6726,7 @@
           <a:p>
             <a:pPr algn="just"/>
             <a:r>
-              <a:rPr lang="en-US" dirty="0" smtClean="0">
+              <a:rPr lang="en-US" dirty="0">
                 <a:latin typeface="Bell MT"/>
                 <a:cs typeface="Bell MT"/>
               </a:rPr>
@@ -7020,16 +6736,12 @@
           <a:p>
             <a:pPr algn="just"/>
             <a:r>
-              <a:rPr lang="en-US" dirty="0" smtClean="0">
+              <a:rPr lang="en-US" dirty="0">
                 <a:latin typeface="Bell MT"/>
                 <a:cs typeface="Bell MT"/>
               </a:rPr>
               <a:t>A philosophy that designs reliability in at an early stage</a:t>
             </a:r>
-            <a:endParaRPr lang="en-US" dirty="0">
-              <a:latin typeface="Bell MT"/>
-              <a:cs typeface="Bell MT"/>
-            </a:endParaRPr>
           </a:p>
         </p:txBody>
       </p:sp>
@@ -7043,13 +6755,6 @@
   <p:clrMapOvr>
     <a:masterClrMapping/>
   </p:clrMapOvr>
-  <p:timing>
-    <p:tnLst>
-      <p:par>
-        <p:cTn xmlns:p14="http://schemas.microsoft.com/office/powerpoint/2010/main" id="1" dur="indefinite" restart="never" nodeType="tmRoot"/>
-      </p:par>
-    </p:tnLst>
-  </p:timing>
 </p:sld>
 </file>
 
@@ -7086,16 +6791,12 @@
           <a:lstStyle/>
           <a:p>
             <a:r>
-              <a:rPr lang="en-US" dirty="0" smtClean="0">
+              <a:rPr lang="en-US" dirty="0">
                 <a:latin typeface="Bell MT"/>
                 <a:cs typeface="Bell MT"/>
               </a:rPr>
               <a:t>Ways to Improve Reliability</a:t>
             </a:r>
-            <a:endParaRPr lang="en-US" dirty="0">
-              <a:latin typeface="Bell MT"/>
-              <a:cs typeface="Bell MT"/>
-            </a:endParaRPr>
           </a:p>
         </p:txBody>
       </p:sp>
@@ -7117,7 +6818,7 @@
           <a:lstStyle/>
           <a:p>
             <a:r>
-              <a:rPr lang="en-US" dirty="0" smtClean="0">
+              <a:rPr lang="en-US" dirty="0">
                 <a:latin typeface="Bell MT"/>
                 <a:cs typeface="Bell MT"/>
               </a:rPr>
@@ -7126,7 +6827,7 @@
           </a:p>
           <a:p>
             <a:r>
-              <a:rPr lang="en-US" dirty="0" smtClean="0">
+              <a:rPr lang="en-US" dirty="0">
                 <a:latin typeface="Bell MT"/>
                 <a:cs typeface="Bell MT"/>
               </a:rPr>
@@ -7135,7 +6836,7 @@
           </a:p>
           <a:p>
             <a:r>
-              <a:rPr lang="en-US" dirty="0" smtClean="0">
+              <a:rPr lang="en-US" dirty="0">
                 <a:latin typeface="Bell MT"/>
                 <a:cs typeface="Bell MT"/>
               </a:rPr>
@@ -7144,7 +6845,7 @@
           </a:p>
           <a:p>
             <a:r>
-              <a:rPr lang="en-US" dirty="0" smtClean="0">
+              <a:rPr lang="en-US" dirty="0">
                 <a:latin typeface="Bell MT"/>
                 <a:cs typeface="Bell MT"/>
               </a:rPr>
@@ -7153,7 +6854,7 @@
           </a:p>
           <a:p>
             <a:r>
-              <a:rPr lang="en-US" dirty="0" smtClean="0">
+              <a:rPr lang="en-US" dirty="0">
                 <a:latin typeface="Bell MT"/>
                 <a:cs typeface="Bell MT"/>
               </a:rPr>
@@ -7162,7 +6863,7 @@
           </a:p>
           <a:p>
             <a:r>
-              <a:rPr lang="en-US" dirty="0" smtClean="0">
+              <a:rPr lang="en-US" dirty="0">
                 <a:latin typeface="Bell MT"/>
                 <a:cs typeface="Bell MT"/>
               </a:rPr>
@@ -7184,13 +6885,6 @@
   <p:clrMapOvr>
     <a:masterClrMapping/>
   </p:clrMapOvr>
-  <p:timing>
-    <p:tnLst>
-      <p:par>
-        <p:cTn xmlns:p14="http://schemas.microsoft.com/office/powerpoint/2010/main" id="1" dur="indefinite" restart="never" nodeType="tmRoot"/>
-      </p:par>
-    </p:tnLst>
-  </p:timing>
 </p:sld>
 </file>
 
@@ -7232,16 +6926,12 @@
           <a:lstStyle/>
           <a:p>
             <a:r>
-              <a:rPr lang="en-US" dirty="0" smtClean="0">
+              <a:rPr lang="en-US" dirty="0">
                 <a:latin typeface="Bell MT"/>
                 <a:cs typeface="Bell MT"/>
               </a:rPr>
               <a:t>Measures of Reliability</a:t>
             </a:r>
-            <a:endParaRPr lang="en-US" dirty="0">
-              <a:latin typeface="Bell MT"/>
-              <a:cs typeface="Bell MT"/>
-            </a:endParaRPr>
           </a:p>
         </p:txBody>
       </p:sp>
@@ -7269,7 +6959,7 @@
               <a:buNone/>
             </a:pPr>
             <a:r>
-              <a:rPr lang="en-US" dirty="0" smtClean="0">
+              <a:rPr lang="en-US" dirty="0">
                 <a:latin typeface="Bell MT"/>
                 <a:cs typeface="Bell MT"/>
               </a:rPr>
@@ -7290,17 +6980,8 @@
               <a:rPr lang="en-US" dirty="0">
                 <a:latin typeface="Arial" charset="0"/>
               </a:rPr>
-              <a:t>is based on the failure rate </a:t>
-            </a:r>
-            <a:r>
-              <a:rPr lang="en-US" dirty="0" smtClean="0">
-                <a:latin typeface="Arial" charset="0"/>
-              </a:rPr>
-              <a:t>:</a:t>
-            </a:r>
-            <a:endParaRPr lang="en-US" dirty="0">
-              <a:latin typeface="Arial" charset="0"/>
-            </a:endParaRPr>
+              <a:t>is based on the failure rate :</a:t>
+            </a:r>
           </a:p>
           <a:p>
             <a:pPr marL="0" indent="0" algn="just">
@@ -7335,7 +7016,7 @@
           <a:graphicData uri="http://schemas.openxmlformats.org/presentationml/2006/ole">
             <mc:AlternateContent xmlns:mc="http://schemas.openxmlformats.org/markup-compatibility/2006">
               <mc:Choice xmlns:v="urn:schemas-microsoft-com:vml" Requires="v">
-                <p:oleObj spid="_x0000_s1055" name="Equation" r:id="rId3" imgW="2336800" imgH="431800" progId="Equation.3">
+                <p:oleObj spid="_x0000_s1058" name="Equation" r:id="rId3" imgW="2336800" imgH="431800" progId="Equation.3">
                   <p:embed/>
                 </p:oleObj>
               </mc:Choice>
@@ -7372,7 +7053,6 @@
                         <a:avLst/>
                       </a:prstGeom>
                       <a:noFill/>
-                      <a:extLst/>
                     </p:spPr>
                   </p:pic>
                 </p:oleObj>
@@ -7421,13 +7101,6 @@
   <p:clrMapOvr>
     <a:masterClrMapping/>
   </p:clrMapOvr>
-  <p:timing>
-    <p:tnLst>
-      <p:par>
-        <p:cTn xmlns:p14="http://schemas.microsoft.com/office/powerpoint/2010/main" id="1" dur="indefinite" restart="never" nodeType="tmRoot"/>
-      </p:par>
-    </p:tnLst>
-  </p:timing>
 </p:sld>
 </file>
 
@@ -7464,16 +7137,12 @@
           <a:lstStyle/>
           <a:p>
             <a:r>
-              <a:rPr lang="en-US" dirty="0" smtClean="0">
+              <a:rPr lang="en-US" dirty="0">
                 <a:latin typeface="Bell MT"/>
                 <a:cs typeface="Bell MT"/>
               </a:rPr>
               <a:t>Bath Tub Curve</a:t>
             </a:r>
-            <a:endParaRPr lang="en-US" dirty="0">
-              <a:latin typeface="Bell MT"/>
-              <a:cs typeface="Bell MT"/>
-            </a:endParaRPr>
           </a:p>
         </p:txBody>
       </p:sp>
@@ -7498,7 +7167,7 @@
               <a:buNone/>
             </a:pPr>
             <a:r>
-              <a:rPr lang="en-US" dirty="0" smtClean="0">
+              <a:rPr lang="en-US" dirty="0">
                 <a:latin typeface="Bell MT"/>
                 <a:cs typeface="Bell MT"/>
               </a:rPr>
@@ -7518,7 +7187,7 @@
               <a:buChar char="Ø"/>
             </a:pPr>
             <a:r>
-              <a:rPr lang="en-US" dirty="0" smtClean="0">
+              <a:rPr lang="en-US" dirty="0">
                 <a:latin typeface="Bell MT"/>
                 <a:cs typeface="Bell MT"/>
               </a:rPr>
@@ -7537,10 +7206,6 @@
               </a:rPr>
               <a:t>Chance failure / Normal Operating Life </a:t>
             </a:r>
-            <a:endParaRPr lang="en-US" dirty="0" smtClean="0">
-              <a:latin typeface="Bell MT"/>
-              <a:cs typeface="Bell MT"/>
-            </a:endParaRPr>
           </a:p>
           <a:p>
             <a:pPr algn="just">
@@ -7554,17 +7219,13 @@
               </a:rPr>
               <a:t>Wear out / Ageing</a:t>
             </a:r>
-            <a:endParaRPr lang="en-US" dirty="0" smtClean="0">
-              <a:latin typeface="Bell MT"/>
-              <a:cs typeface="Bell MT"/>
-            </a:endParaRPr>
           </a:p>
           <a:p>
             <a:pPr algn="just">
               <a:buFont typeface="Wingdings" charset="2"/>
               <a:buChar char="Ø"/>
             </a:pPr>
-            <a:endParaRPr lang="en-US" dirty="0" smtClean="0">
+            <a:endParaRPr lang="en-US" dirty="0">
               <a:latin typeface="Bell MT"/>
               <a:cs typeface="Bell MT"/>
             </a:endParaRPr>
@@ -7573,7 +7234,7 @@
             <a:pPr marL="0" indent="0" algn="just">
               <a:buNone/>
             </a:pPr>
-            <a:endParaRPr lang="en-US" dirty="0" smtClean="0">
+            <a:endParaRPr lang="en-US" dirty="0">
               <a:latin typeface="Bell MT"/>
               <a:cs typeface="Bell MT"/>
             </a:endParaRPr>
@@ -7590,13 +7251,6 @@
   <p:clrMapOvr>
     <a:masterClrMapping/>
   </p:clrMapOvr>
-  <p:timing>
-    <p:tnLst>
-      <p:par>
-        <p:cTn xmlns:p14="http://schemas.microsoft.com/office/powerpoint/2010/main" id="1" dur="indefinite" restart="never" nodeType="tmRoot"/>
-      </p:par>
-    </p:tnLst>
-  </p:timing>
 </p:sld>
 </file>
 
@@ -7921,6 +7575,21 @@
 </file>
 
 <file path=customXml/item1.xml><?xml version="1.0" encoding="utf-8"?>
+<p:properties xmlns:p="http://schemas.microsoft.com/office/2006/metadata/properties" xmlns:xsi="http://www.w3.org/2001/XMLSchema-instance" xmlns:pc="http://schemas.microsoft.com/office/infopath/2007/PartnerControls">
+  <documentManagement/>
+</p:properties>
+</file>
+
+<file path=customXml/item2.xml><?xml version="1.0" encoding="utf-8"?>
+<?mso-contentType ?>
+<FormTemplates xmlns="http://schemas.microsoft.com/sharepoint/v3/contenttype/forms">
+  <Display>DocumentLibraryForm</Display>
+  <Edit>DocumentLibraryForm</Edit>
+  <New>DocumentLibraryForm</New>
+</FormTemplates>
+</file>
+
+<file path=customXml/item3.xml><?xml version="1.0" encoding="utf-8"?>
 <ct:contentTypeSchema xmlns:ct="http://schemas.microsoft.com/office/2006/metadata/contentType" xmlns:ma="http://schemas.microsoft.com/office/2006/metadata/properties/metaAttributes" ct:_="" ma:_="" ma:contentTypeName="Document" ma:contentTypeID="0x010100A05A4CB31FB63740BC442F7C2B4737F5" ma:contentTypeVersion="5" ma:contentTypeDescription="Create a new document." ma:contentTypeScope="" ma:versionID="6422934c898b305a7f872759575cc442">
   <xsd:schema xmlns:xsd="http://www.w3.org/2001/XMLSchema" xmlns:xs="http://www.w3.org/2001/XMLSchema" xmlns:p="http://schemas.microsoft.com/office/2006/metadata/properties" xmlns:ns2="8506bf05-5515-44a3-848b-4d524adb9b77" targetNamespace="http://schemas.microsoft.com/office/2006/metadata/properties" ma:root="true" ma:fieldsID="59b54b90fb6e2b181d81b6e107cd318a" ns2:_="">
     <xsd:import namespace="8506bf05-5515-44a3-848b-4d524adb9b77"/>
@@ -8072,29 +7741,37 @@
 </ct:contentTypeSchema>
 </file>
 
-<file path=customXml/item2.xml><?xml version="1.0" encoding="utf-8"?>
-<?mso-contentType ?>
-<FormTemplates xmlns="http://schemas.microsoft.com/sharepoint/v3/contenttype/forms">
-  <Display>DocumentLibraryForm</Display>
-  <Edit>DocumentLibraryForm</Edit>
-  <New>DocumentLibraryForm</New>
-</FormTemplates>
-</file>
-
-<file path=customXml/item3.xml><?xml version="1.0" encoding="utf-8"?>
-<p:properties xmlns:p="http://schemas.microsoft.com/office/2006/metadata/properties" xmlns:xsi="http://www.w3.org/2001/XMLSchema-instance" xmlns:pc="http://schemas.microsoft.com/office/infopath/2007/PartnerControls">
-  <documentManagement/>
-</p:properties>
-</file>
-
 <file path=customXml/itemProps1.xml><?xml version="1.0" encoding="utf-8"?>
-<ds:datastoreItem xmlns:ds="http://schemas.openxmlformats.org/officeDocument/2006/customXml" ds:itemID="{589621BB-6F63-4E60-9AD6-CA53AE89C55F}"/>
+<ds:datastoreItem xmlns:ds="http://schemas.openxmlformats.org/officeDocument/2006/customXml" ds:itemID="{430650F1-6B89-45FF-B452-3EB0612270EB}">
+  <ds:schemaRefs>
+    <ds:schemaRef ds:uri="http://schemas.microsoft.com/office/2006/metadata/properties"/>
+    <ds:schemaRef ds:uri="http://schemas.microsoft.com/office/infopath/2007/PartnerControls"/>
+  </ds:schemaRefs>
+</ds:datastoreItem>
 </file>
 
 <file path=customXml/itemProps2.xml><?xml version="1.0" encoding="utf-8"?>
-<ds:datastoreItem xmlns:ds="http://schemas.openxmlformats.org/officeDocument/2006/customXml" ds:itemID="{7B7F385B-C34F-4548-A18C-BFED00929BD0}"/>
+<ds:datastoreItem xmlns:ds="http://schemas.openxmlformats.org/officeDocument/2006/customXml" ds:itemID="{7B7F385B-C34F-4548-A18C-BFED00929BD0}">
+  <ds:schemaRefs>
+    <ds:schemaRef ds:uri="http://schemas.microsoft.com/sharepoint/v3/contenttype/forms"/>
+  </ds:schemaRefs>
+</ds:datastoreItem>
 </file>
 
 <file path=customXml/itemProps3.xml><?xml version="1.0" encoding="utf-8"?>
-<ds:datastoreItem xmlns:ds="http://schemas.openxmlformats.org/officeDocument/2006/customXml" ds:itemID="{430650F1-6B89-45FF-B452-3EB0612270EB}"/>
+<ds:datastoreItem xmlns:ds="http://schemas.openxmlformats.org/officeDocument/2006/customXml" ds:itemID="{589621BB-6F63-4E60-9AD6-CA53AE89C55F}">
+  <ds:schemaRefs>
+    <ds:schemaRef ds:uri="http://schemas.microsoft.com/office/2006/metadata/contentType"/>
+    <ds:schemaRef ds:uri="http://schemas.microsoft.com/office/2006/metadata/properties/metaAttributes"/>
+    <ds:schemaRef ds:uri="http://www.w3.org/2001/XMLSchema"/>
+    <ds:schemaRef ds:uri="http://schemas.microsoft.com/office/2006/metadata/properties"/>
+    <ds:schemaRef ds:uri="8506bf05-5515-44a3-848b-4d524adb9b77"/>
+    <ds:schemaRef ds:uri="http://schemas.microsoft.com/office/2006/documentManagement/types"/>
+    <ds:schemaRef ds:uri="http://schemas.microsoft.com/office/infopath/2007/PartnerControls"/>
+    <ds:schemaRef ds:uri="http://schemas.openxmlformats.org/package/2006/metadata/core-properties"/>
+    <ds:schemaRef ds:uri="http://purl.org/dc/elements/1.1/"/>
+    <ds:schemaRef ds:uri="http://purl.org/dc/terms/"/>
+    <ds:schemaRef ds:uri="http://schemas.microsoft.com/internal/obd"/>
+  </ds:schemaRefs>
+</ds:datastoreItem>
 </file>